--- a/Documentation/Milestone 4.pptx
+++ b/Documentation/Milestone 4.pptx
@@ -2,17 +2,20 @@
 <file path=ppt/presentation.xml><?xml version="1.0" encoding="utf-8"?>
 <p:presentation xmlns:a="http://schemas.openxmlformats.org/drawingml/2006/main" xmlns:r="http://schemas.openxmlformats.org/officeDocument/2006/relationships" xmlns:p="http://schemas.openxmlformats.org/presentationml/2006/main" saveSubsetFonts="1">
   <p:sldMasterIdLst>
-    <p:sldMasterId id="2147483660" r:id="rId1"/>
+    <p:sldMasterId id="2147484635" r:id="rId1"/>
   </p:sldMasterIdLst>
   <p:sldIdLst>
     <p:sldId id="256" r:id="rId2"/>
     <p:sldId id="264" r:id="rId3"/>
-    <p:sldId id="265" r:id="rId4"/>
-    <p:sldId id="257" r:id="rId5"/>
-    <p:sldId id="266" r:id="rId6"/>
-    <p:sldId id="263" r:id="rId7"/>
-    <p:sldId id="267" r:id="rId8"/>
-    <p:sldId id="258" r:id="rId9"/>
+    <p:sldId id="268" r:id="rId4"/>
+    <p:sldId id="265" r:id="rId5"/>
+    <p:sldId id="270" r:id="rId6"/>
+    <p:sldId id="257" r:id="rId7"/>
+    <p:sldId id="266" r:id="rId8"/>
+    <p:sldId id="263" r:id="rId9"/>
+    <p:sldId id="269" r:id="rId10"/>
+    <p:sldId id="267" r:id="rId11"/>
+    <p:sldId id="258" r:id="rId12"/>
   </p:sldIdLst>
   <p:sldSz cx="12192000" cy="6858000"/>
   <p:notesSz cx="6858000" cy="9144000"/>
@@ -111,6 +114,11 @@
       </a:defRPr>
     </a:lvl9pPr>
   </p:defaultTextStyle>
+  <p:extLst>
+    <p:ext uri="{EFAFB233-063F-42B5-8137-9DF3F51BA10A}">
+      <p15:sldGuideLst xmlns:p15="http://schemas.microsoft.com/office/powerpoint/2012/main"/>
+    </p:ext>
+  </p:extLst>
 </p:presentation>
 </file>
 
@@ -156,7 +164,7 @@
           </a:lstStyle>
           <a:p>
             <a:r>
-              <a:rPr lang="en-US" smtClean="0"/>
+              <a:rPr lang="en-US"/>
               <a:t>Click to edit Master title style</a:t>
             </a:r>
             <a:endParaRPr lang="en-US" dirty="0"/>
@@ -186,10 +194,7 @@
               <a:buNone/>
               <a:defRPr cap="all">
                 <a:solidFill>
-                  <a:schemeClr val="bg2">
-                    <a:lumMod val="40000"/>
-                    <a:lumOff val="60000"/>
-                  </a:schemeClr>
+                  <a:schemeClr val="accent1"/>
                 </a:solidFill>
               </a:defRPr>
             </a:lvl1pPr>
@@ -276,7 +281,7 @@
           </a:lstStyle>
           <a:p>
             <a:r>
-              <a:rPr lang="en-US" smtClean="0"/>
+              <a:rPr lang="en-US"/>
               <a:t>Click to edit Master subtitle style</a:t>
             </a:r>
             <a:endParaRPr lang="en-US" dirty="0"/>
@@ -306,7 +311,7 @@
               <a:pPr>
                 <a:defRPr/>
               </a:pPr>
-              <a:t>2019-11-30</a:t>
+              <a:t>2019-12-01</a:t>
             </a:fld>
             <a:endParaRPr lang="en-CA"/>
           </a:p>
@@ -366,13 +371,18 @@
     </p:spTree>
     <p:extLst>
       <p:ext uri="{BB962C8B-B14F-4D97-AF65-F5344CB8AC3E}">
-        <p14:creationId xmlns:p14="http://schemas.microsoft.com/office/powerpoint/2010/main" val="1801747391"/>
+        <p14:creationId xmlns:p14="http://schemas.microsoft.com/office/powerpoint/2010/main" val="4212421030"/>
       </p:ext>
     </p:extLst>
   </p:cSld>
   <p:clrMapOvr>
     <a:masterClrMapping/>
   </p:clrMapOvr>
+  <p:extLst>
+    <p:ext uri="{DCECCB84-F9BA-43D5-87BE-67443E8EF086}">
+      <p15:sldGuideLst xmlns:p15="http://schemas.microsoft.com/office/powerpoint/2012/main"/>
+    </p:ext>
+  </p:extLst>
 </p:sldLayout>
 </file>
 
@@ -420,7 +430,7 @@
           </a:lstStyle>
           <a:p>
             <a:r>
-              <a:rPr lang="en-US" smtClean="0"/>
+              <a:rPr lang="en-US"/>
               <a:t>Click to edit Master title style</a:t>
             </a:r>
             <a:endParaRPr lang="en-US" dirty="0"/>
@@ -499,7 +509,7 @@
           </a:lstStyle>
           <a:p>
             <a:r>
-              <a:rPr lang="en-US" smtClean="0"/>
+              <a:rPr lang="en-US"/>
               <a:t>Click icon to add picture</a:t>
             </a:r>
             <a:endParaRPr lang="en-US" dirty="0"/>
@@ -567,8 +577,8 @@
           <a:p>
             <a:pPr lvl="0"/>
             <a:r>
-              <a:rPr lang="en-US" smtClean="0"/>
-              <a:t>Edit Master text styles</a:t>
+              <a:rPr lang="en-US"/>
+              <a:t>Click to edit Master text styles</a:t>
             </a:r>
           </a:p>
         </p:txBody>
@@ -596,7 +606,7 @@
               <a:pPr>
                 <a:defRPr/>
               </a:pPr>
-              <a:t>2019-11-30</a:t>
+              <a:t>2019-12-01</a:t>
             </a:fld>
             <a:endParaRPr lang="en-CA"/>
           </a:p>
@@ -656,7 +666,7 @@
     </p:spTree>
     <p:extLst>
       <p:ext uri="{BB962C8B-B14F-4D97-AF65-F5344CB8AC3E}">
-        <p14:creationId xmlns:p14="http://schemas.microsoft.com/office/powerpoint/2010/main" val="1601185103"/>
+        <p14:creationId xmlns:p14="http://schemas.microsoft.com/office/powerpoint/2010/main" val="2198258046"/>
       </p:ext>
     </p:extLst>
   </p:cSld>
@@ -708,7 +718,7 @@
           </a:lstStyle>
           <a:p>
             <a:r>
-              <a:rPr lang="en-US" smtClean="0"/>
+              <a:rPr lang="en-US"/>
               <a:t>Click to edit Master title style</a:t>
             </a:r>
             <a:endParaRPr lang="en-US" dirty="0"/>
@@ -776,8 +786,8 @@
           <a:p>
             <a:pPr lvl="0"/>
             <a:r>
-              <a:rPr lang="en-US" smtClean="0"/>
-              <a:t>Edit Master text styles</a:t>
+              <a:rPr lang="en-US"/>
+              <a:t>Click to edit Master text styles</a:t>
             </a:r>
           </a:p>
         </p:txBody>
@@ -805,7 +815,7 @@
               <a:pPr>
                 <a:defRPr/>
               </a:pPr>
-              <a:t>2019-11-30</a:t>
+              <a:t>2019-12-01</a:t>
             </a:fld>
             <a:endParaRPr lang="en-CA"/>
           </a:p>
@@ -865,7 +875,7 @@
     </p:spTree>
     <p:extLst>
       <p:ext uri="{BB962C8B-B14F-4D97-AF65-F5344CB8AC3E}">
-        <p14:creationId xmlns:p14="http://schemas.microsoft.com/office/powerpoint/2010/main" val="2047723615"/>
+        <p14:creationId xmlns:p14="http://schemas.microsoft.com/office/powerpoint/2010/main" val="2970411264"/>
       </p:ext>
     </p:extLst>
   </p:cSld>
@@ -917,7 +927,7 @@
           </a:lstStyle>
           <a:p>
             <a:r>
-              <a:rPr lang="en-US" smtClean="0"/>
+              <a:rPr lang="en-US"/>
               <a:t>Click to edit Master title style</a:t>
             </a:r>
             <a:endParaRPr lang="en-US" dirty="0"/>
@@ -926,12 +936,12 @@
       </p:sp>
       <p:sp>
         <p:nvSpPr>
-          <p:cNvPr id="11" name="Text Placeholder 3"/>
-          <p:cNvSpPr>
-            <a:spLocks noGrp="1"/>
-          </p:cNvSpPr>
-          <p:nvPr>
-            <p:ph type="body" sz="half" idx="14"/>
+          <p:cNvPr id="14" name="Text Placeholder 3"/>
+          <p:cNvSpPr>
+            <a:spLocks noGrp="1"/>
+          </p:cNvSpPr>
+          <p:nvPr>
+            <p:ph type="body" sz="half" idx="13"/>
           </p:nvPr>
         </p:nvSpPr>
         <p:spPr>
@@ -941,7 +951,7 @@
           </a:xfrm>
         </p:spPr>
         <p:txBody>
-          <a:bodyPr vert="horz" lIns="91440" tIns="45720" rIns="91440" bIns="45720" rtlCol="0" anchor="t">
+          <a:bodyPr anchor="t">
             <a:normAutofit/>
           </a:bodyPr>
           <a:lstStyle>
@@ -949,10 +959,7 @@
               <a:buNone/>
               <a:defRPr lang="en-US" sz="1400" b="0" i="0" kern="1200" cap="small" dirty="0">
                 <a:solidFill>
-                  <a:schemeClr val="bg2">
-                    <a:lumMod val="40000"/>
-                    <a:lumOff val="60000"/>
-                  </a:schemeClr>
+                  <a:schemeClr val="accent1"/>
                 </a:solidFill>
                 <a:latin typeface="+mj-lt"/>
                 <a:ea typeface="+mj-ea"/>
@@ -993,12 +1000,10 @@
             </a:lvl9pPr>
           </a:lstStyle>
           <a:p>
-            <a:pPr marL="0" lvl="0" indent="0">
-              <a:buNone/>
-            </a:pPr>
-            <a:r>
-              <a:rPr lang="en-US" smtClean="0"/>
-              <a:t>Edit Master text styles</a:t>
+            <a:pPr lvl="0"/>
+            <a:r>
+              <a:rPr lang="en-US"/>
+              <a:t>Click to edit Master text styles</a:t>
             </a:r>
           </a:p>
         </p:txBody>
@@ -1064,8 +1069,8 @@
           <a:p>
             <a:pPr lvl="0"/>
             <a:r>
-              <a:rPr lang="en-US" smtClean="0"/>
-              <a:t>Edit Master text styles</a:t>
+              <a:rPr lang="en-US"/>
+              <a:t>Click to edit Master text styles</a:t>
             </a:r>
           </a:p>
         </p:txBody>
@@ -1093,7 +1098,7 @@
               <a:pPr>
                 <a:defRPr/>
               </a:pPr>
-              <a:t>2019-11-30</a:t>
+              <a:t>2019-12-01</a:t>
             </a:fld>
             <a:endParaRPr lang="en-CA"/>
           </a:p>
@@ -1152,7 +1157,7 @@
       </p:sp>
       <p:sp>
         <p:nvSpPr>
-          <p:cNvPr id="12" name="TextBox 11"/>
+          <p:cNvPr id="9" name="TextBox 8"/>
           <p:cNvSpPr txBox="1"/>
           <p:nvPr/>
         </p:nvSpPr>
@@ -1177,10 +1182,7 @@
             <a:lvl1pPr algn="r">
               <a:defRPr sz="12200" b="0" i="0">
                 <a:solidFill>
-                  <a:schemeClr val="bg2">
-                    <a:lumMod val="40000"/>
-                    <a:lumOff val="60000"/>
-                  </a:schemeClr>
+                  <a:schemeClr val="accent1"/>
                 </a:solidFill>
                 <a:latin typeface="Arial"/>
                 <a:ea typeface="+mj-ea"/>
@@ -1199,7 +1201,7 @@
       </p:sp>
       <p:sp>
         <p:nvSpPr>
-          <p:cNvPr id="15" name="TextBox 14"/>
+          <p:cNvPr id="13" name="TextBox 12"/>
           <p:cNvSpPr txBox="1"/>
           <p:nvPr/>
         </p:nvSpPr>
@@ -1224,10 +1226,7 @@
             <a:lvl1pPr algn="r">
               <a:defRPr sz="12200" b="0" i="0">
                 <a:solidFill>
-                  <a:schemeClr val="bg2">
-                    <a:lumMod val="40000"/>
-                    <a:lumOff val="60000"/>
-                  </a:schemeClr>
+                  <a:schemeClr val="accent1"/>
                 </a:solidFill>
                 <a:latin typeface="Arial"/>
                 <a:ea typeface="+mj-ea"/>
@@ -1247,7 +1246,7 @@
     </p:spTree>
     <p:extLst>
       <p:ext uri="{BB962C8B-B14F-4D97-AF65-F5344CB8AC3E}">
-        <p14:creationId xmlns:p14="http://schemas.microsoft.com/office/powerpoint/2010/main" val="3858629490"/>
+        <p14:creationId xmlns:p14="http://schemas.microsoft.com/office/powerpoint/2010/main" val="4004958111"/>
       </p:ext>
     </p:extLst>
   </p:cSld>
@@ -1299,7 +1298,7 @@
           </a:lstStyle>
           <a:p>
             <a:r>
-              <a:rPr lang="en-US" smtClean="0"/>
+              <a:rPr lang="en-US"/>
               <a:t>Click to edit Master title style</a:t>
             </a:r>
             <a:endParaRPr lang="en-US" dirty="0"/>
@@ -1329,10 +1328,7 @@
               <a:buNone/>
               <a:defRPr sz="2000" cap="none">
                 <a:solidFill>
-                  <a:schemeClr val="bg2">
-                    <a:lumMod val="40000"/>
-                    <a:lumOff val="60000"/>
-                  </a:schemeClr>
+                  <a:schemeClr val="accent1"/>
                 </a:solidFill>
               </a:defRPr>
             </a:lvl1pPr>
@@ -1420,8 +1416,8 @@
           <a:p>
             <a:pPr lvl="0"/>
             <a:r>
-              <a:rPr lang="en-US" smtClean="0"/>
-              <a:t>Edit Master text styles</a:t>
+              <a:rPr lang="en-US"/>
+              <a:t>Click to edit Master text styles</a:t>
             </a:r>
           </a:p>
         </p:txBody>
@@ -1449,7 +1445,7 @@
               <a:pPr>
                 <a:defRPr/>
               </a:pPr>
-              <a:t>2019-11-30</a:t>
+              <a:t>2019-12-01</a:t>
             </a:fld>
             <a:endParaRPr lang="en-CA"/>
           </a:p>
@@ -1509,7 +1505,7 @@
     </p:spTree>
     <p:extLst>
       <p:ext uri="{BB962C8B-B14F-4D97-AF65-F5344CB8AC3E}">
-        <p14:creationId xmlns:p14="http://schemas.microsoft.com/office/powerpoint/2010/main" val="1969469123"/>
+        <p14:creationId xmlns:p14="http://schemas.microsoft.com/office/powerpoint/2010/main" val="2743524179"/>
       </p:ext>
     </p:extLst>
   </p:cSld>
@@ -1556,7 +1552,7 @@
           </a:lstStyle>
           <a:p>
             <a:r>
-              <a:rPr lang="en-US" smtClean="0"/>
+              <a:rPr lang="en-US"/>
               <a:t>Click to edit Master title style</a:t>
             </a:r>
             <a:endParaRPr lang="en-US" dirty="0"/>
@@ -1588,10 +1584,7 @@
               <a:buNone/>
               <a:defRPr sz="2400" b="0">
                 <a:solidFill>
-                  <a:schemeClr val="bg2">
-                    <a:lumMod val="40000"/>
-                    <a:lumOff val="60000"/>
-                  </a:schemeClr>
+                  <a:schemeClr val="accent1"/>
                 </a:solidFill>
               </a:defRPr>
             </a:lvl1pPr>
@@ -1631,8 +1624,8 @@
           <a:p>
             <a:pPr lvl="0"/>
             <a:r>
-              <a:rPr lang="en-US" smtClean="0"/>
-              <a:t>Edit Master text styles</a:t>
+              <a:rPr lang="en-US"/>
+              <a:t>Click to edit Master text styles</a:t>
             </a:r>
           </a:p>
         </p:txBody>
@@ -1698,8 +1691,8 @@
           <a:p>
             <a:pPr lvl="0"/>
             <a:r>
-              <a:rPr lang="en-US" smtClean="0"/>
-              <a:t>Edit Master text styles</a:t>
+              <a:rPr lang="en-US"/>
+              <a:t>Click to edit Master text styles</a:t>
             </a:r>
           </a:p>
         </p:txBody>
@@ -1729,10 +1722,7 @@
               <a:buNone/>
               <a:defRPr sz="2400" b="0">
                 <a:solidFill>
-                  <a:schemeClr val="bg2">
-                    <a:lumMod val="40000"/>
-                    <a:lumOff val="60000"/>
-                  </a:schemeClr>
+                  <a:schemeClr val="accent1"/>
                 </a:solidFill>
               </a:defRPr>
             </a:lvl1pPr>
@@ -1772,8 +1762,8 @@
           <a:p>
             <a:pPr lvl="0"/>
             <a:r>
-              <a:rPr lang="en-US" smtClean="0"/>
-              <a:t>Edit Master text styles</a:t>
+              <a:rPr lang="en-US"/>
+              <a:t>Click to edit Master text styles</a:t>
             </a:r>
           </a:p>
         </p:txBody>
@@ -1839,8 +1829,8 @@
           <a:p>
             <a:pPr lvl="0"/>
             <a:r>
-              <a:rPr lang="en-US" smtClean="0"/>
-              <a:t>Edit Master text styles</a:t>
+              <a:rPr lang="en-US"/>
+              <a:t>Click to edit Master text styles</a:t>
             </a:r>
           </a:p>
         </p:txBody>
@@ -1870,10 +1860,7 @@
               <a:buNone/>
               <a:defRPr sz="2400" b="0">
                 <a:solidFill>
-                  <a:schemeClr val="bg2">
-                    <a:lumMod val="40000"/>
-                    <a:lumOff val="60000"/>
-                  </a:schemeClr>
+                  <a:schemeClr val="accent1"/>
                 </a:solidFill>
               </a:defRPr>
             </a:lvl1pPr>
@@ -1913,8 +1900,8 @@
           <a:p>
             <a:pPr lvl="0"/>
             <a:r>
-              <a:rPr lang="en-US" smtClean="0"/>
-              <a:t>Edit Master text styles</a:t>
+              <a:rPr lang="en-US"/>
+              <a:t>Click to edit Master text styles</a:t>
             </a:r>
           </a:p>
         </p:txBody>
@@ -1980,8 +1967,8 @@
           <a:p>
             <a:pPr lvl="0"/>
             <a:r>
-              <a:rPr lang="en-US" smtClean="0"/>
-              <a:t>Edit Master text styles</a:t>
+              <a:rPr lang="en-US"/>
+              <a:t>Click to edit Master text styles</a:t>
             </a:r>
           </a:p>
         </p:txBody>
@@ -2002,9 +1989,7 @@
           </a:prstGeom>
           <a:ln w="12700" cmpd="sng">
             <a:solidFill>
-              <a:schemeClr val="bg2">
-                <a:lumMod val="40000"/>
-                <a:lumOff val="60000"/>
+              <a:schemeClr val="accent1">
                 <a:alpha val="40000"/>
               </a:schemeClr>
             </a:solidFill>
@@ -2041,9 +2026,7 @@
           </a:prstGeom>
           <a:ln w="12700" cmpd="sng">
             <a:solidFill>
-              <a:schemeClr val="bg2">
-                <a:lumMod val="40000"/>
-                <a:lumOff val="60000"/>
+              <a:schemeClr val="accent1">
                 <a:alpha val="40000"/>
               </a:schemeClr>
             </a:solidFill>
@@ -2087,7 +2070,7 @@
               <a:pPr>
                 <a:defRPr/>
               </a:pPr>
-              <a:t>2019-11-30</a:t>
+              <a:t>2019-12-01</a:t>
             </a:fld>
             <a:endParaRPr lang="en-CA"/>
           </a:p>
@@ -2147,7 +2130,7 @@
     </p:spTree>
     <p:extLst>
       <p:ext uri="{BB962C8B-B14F-4D97-AF65-F5344CB8AC3E}">
-        <p14:creationId xmlns:p14="http://schemas.microsoft.com/office/powerpoint/2010/main" val="3568076577"/>
+        <p14:creationId xmlns:p14="http://schemas.microsoft.com/office/powerpoint/2010/main" val="4190377042"/>
       </p:ext>
     </p:extLst>
   </p:cSld>
@@ -2194,7 +2177,7 @@
           </a:lstStyle>
           <a:p>
             <a:r>
-              <a:rPr lang="en-US" smtClean="0"/>
+              <a:rPr lang="en-US"/>
               <a:t>Click to edit Master title style</a:t>
             </a:r>
             <a:endParaRPr lang="en-US" dirty="0"/>
@@ -2226,10 +2209,7 @@
               <a:buNone/>
               <a:defRPr sz="2400" b="0">
                 <a:solidFill>
-                  <a:schemeClr val="bg2">
-                    <a:lumMod val="40000"/>
-                    <a:lumOff val="60000"/>
-                  </a:schemeClr>
+                  <a:schemeClr val="accent1"/>
                 </a:solidFill>
               </a:defRPr>
             </a:lvl1pPr>
@@ -2269,8 +2249,8 @@
           <a:p>
             <a:pPr lvl="0"/>
             <a:r>
-              <a:rPr lang="en-US" smtClean="0"/>
-              <a:t>Edit Master text styles</a:t>
+              <a:rPr lang="en-US"/>
+              <a:t>Click to edit Master text styles</a:t>
             </a:r>
           </a:p>
         </p:txBody>
@@ -2347,7 +2327,7 @@
           </a:lstStyle>
           <a:p>
             <a:r>
-              <a:rPr lang="en-US" smtClean="0"/>
+              <a:rPr lang="en-US"/>
               <a:t>Click icon to add picture</a:t>
             </a:r>
             <a:endParaRPr lang="en-US" dirty="0"/>
@@ -2415,8 +2395,8 @@
           <a:p>
             <a:pPr lvl="0"/>
             <a:r>
-              <a:rPr lang="en-US" smtClean="0"/>
-              <a:t>Edit Master text styles</a:t>
+              <a:rPr lang="en-US"/>
+              <a:t>Click to edit Master text styles</a:t>
             </a:r>
           </a:p>
         </p:txBody>
@@ -2446,10 +2426,7 @@
               <a:buNone/>
               <a:defRPr sz="2400" b="0">
                 <a:solidFill>
-                  <a:schemeClr val="bg2">
-                    <a:lumMod val="40000"/>
-                    <a:lumOff val="60000"/>
-                  </a:schemeClr>
+                  <a:schemeClr val="accent1"/>
                 </a:solidFill>
               </a:defRPr>
             </a:lvl1pPr>
@@ -2489,8 +2466,8 @@
           <a:p>
             <a:pPr lvl="0"/>
             <a:r>
-              <a:rPr lang="en-US" smtClean="0"/>
-              <a:t>Edit Master text styles</a:t>
+              <a:rPr lang="en-US"/>
+              <a:t>Click to edit Master text styles</a:t>
             </a:r>
           </a:p>
         </p:txBody>
@@ -2567,7 +2544,7 @@
           </a:lstStyle>
           <a:p>
             <a:r>
-              <a:rPr lang="en-US" smtClean="0"/>
+              <a:rPr lang="en-US"/>
               <a:t>Click icon to add picture</a:t>
             </a:r>
             <a:endParaRPr lang="en-US" dirty="0"/>
@@ -2635,8 +2612,8 @@
           <a:p>
             <a:pPr lvl="0"/>
             <a:r>
-              <a:rPr lang="en-US" smtClean="0"/>
-              <a:t>Edit Master text styles</a:t>
+              <a:rPr lang="en-US"/>
+              <a:t>Click to edit Master text styles</a:t>
             </a:r>
           </a:p>
         </p:txBody>
@@ -2666,10 +2643,7 @@
               <a:buNone/>
               <a:defRPr sz="2400" b="0">
                 <a:solidFill>
-                  <a:schemeClr val="bg2">
-                    <a:lumMod val="40000"/>
-                    <a:lumOff val="60000"/>
-                  </a:schemeClr>
+                  <a:schemeClr val="accent1"/>
                 </a:solidFill>
               </a:defRPr>
             </a:lvl1pPr>
@@ -2709,8 +2683,8 @@
           <a:p>
             <a:pPr lvl="0"/>
             <a:r>
-              <a:rPr lang="en-US" smtClean="0"/>
-              <a:t>Edit Master text styles</a:t>
+              <a:rPr lang="en-US"/>
+              <a:t>Click to edit Master text styles</a:t>
             </a:r>
           </a:p>
         </p:txBody>
@@ -2787,7 +2761,7 @@
           </a:lstStyle>
           <a:p>
             <a:r>
-              <a:rPr lang="en-US" smtClean="0"/>
+              <a:rPr lang="en-US"/>
               <a:t>Click icon to add picture</a:t>
             </a:r>
             <a:endParaRPr lang="en-US" dirty="0"/>
@@ -2855,15 +2829,15 @@
           <a:p>
             <a:pPr lvl="0"/>
             <a:r>
-              <a:rPr lang="en-US" smtClean="0"/>
-              <a:t>Edit Master text styles</a:t>
+              <a:rPr lang="en-US"/>
+              <a:t>Click to edit Master text styles</a:t>
             </a:r>
           </a:p>
         </p:txBody>
       </p:sp>
       <p:cxnSp>
         <p:nvCxnSpPr>
-          <p:cNvPr id="19" name="Straight Connector 18"/>
+          <p:cNvPr id="17" name="Straight Connector 16"/>
           <p:cNvCxnSpPr/>
           <p:nvPr/>
         </p:nvCxnSpPr>
@@ -2877,9 +2851,7 @@
           </a:prstGeom>
           <a:ln w="12700" cmpd="sng">
             <a:solidFill>
-              <a:schemeClr val="bg2">
-                <a:lumMod val="40000"/>
-                <a:lumOff val="60000"/>
+              <a:schemeClr val="accent1">
                 <a:alpha val="40000"/>
               </a:schemeClr>
             </a:solidFill>
@@ -2902,7 +2874,7 @@
       </p:cxnSp>
       <p:cxnSp>
         <p:nvCxnSpPr>
-          <p:cNvPr id="20" name="Straight Connector 19"/>
+          <p:cNvPr id="18" name="Straight Connector 17"/>
           <p:cNvCxnSpPr/>
           <p:nvPr/>
         </p:nvCxnSpPr>
@@ -2916,9 +2888,7 @@
           </a:prstGeom>
           <a:ln w="12700" cmpd="sng">
             <a:solidFill>
-              <a:schemeClr val="bg2">
-                <a:lumMod val="40000"/>
-                <a:lumOff val="60000"/>
+              <a:schemeClr val="accent1">
                 <a:alpha val="40000"/>
               </a:schemeClr>
             </a:solidFill>
@@ -2962,7 +2932,7 @@
               <a:pPr>
                 <a:defRPr/>
               </a:pPr>
-              <a:t>2019-11-30</a:t>
+              <a:t>2019-12-01</a:t>
             </a:fld>
             <a:endParaRPr lang="en-CA"/>
           </a:p>
@@ -3022,7 +2992,7 @@
     </p:spTree>
     <p:extLst>
       <p:ext uri="{BB962C8B-B14F-4D97-AF65-F5344CB8AC3E}">
-        <p14:creationId xmlns:p14="http://schemas.microsoft.com/office/powerpoint/2010/main" val="2594087396"/>
+        <p14:creationId xmlns:p14="http://schemas.microsoft.com/office/powerpoint/2010/main" val="3547598375"/>
       </p:ext>
     </p:extLst>
   </p:cSld>
@@ -3065,7 +3035,7 @@
           <a:lstStyle/>
           <a:p>
             <a:r>
-              <a:rPr lang="en-US" smtClean="0"/>
+              <a:rPr lang="en-US"/>
               <a:t>Click to edit Master title style</a:t>
             </a:r>
             <a:endParaRPr lang="en-US" dirty="0"/>
@@ -3089,35 +3059,35 @@
           <a:p>
             <a:pPr lvl="0"/>
             <a:r>
-              <a:rPr lang="en-US" smtClean="0"/>
-              <a:t>Edit Master text styles</a:t>
+              <a:rPr lang="en-US"/>
+              <a:t>Click to edit Master text styles</a:t>
             </a:r>
           </a:p>
           <a:p>
             <a:pPr lvl="1"/>
             <a:r>
-              <a:rPr lang="en-US" smtClean="0"/>
+              <a:rPr lang="en-US"/>
               <a:t>Second level</a:t>
             </a:r>
           </a:p>
           <a:p>
             <a:pPr lvl="2"/>
             <a:r>
-              <a:rPr lang="en-US" smtClean="0"/>
+              <a:rPr lang="en-US"/>
               <a:t>Third level</a:t>
             </a:r>
           </a:p>
           <a:p>
             <a:pPr lvl="3"/>
             <a:r>
-              <a:rPr lang="en-US" smtClean="0"/>
+              <a:rPr lang="en-US"/>
               <a:t>Fourth level</a:t>
             </a:r>
           </a:p>
           <a:p>
             <a:pPr lvl="4"/>
             <a:r>
-              <a:rPr lang="en-US" smtClean="0"/>
+              <a:rPr lang="en-US"/>
               <a:t>Fifth level</a:t>
             </a:r>
             <a:endParaRPr lang="en-US" dirty="0"/>
@@ -3142,12 +3112,12 @@
             <a:pPr>
               <a:defRPr/>
             </a:pPr>
-            <a:fld id="{280B8BA5-0773-47EF-89E5-7EA01527C543}" type="datetimeFigureOut">
+            <a:fld id="{E5A01948-7430-4F4B-9180-067B0A79E24F}" type="datetimeFigureOut">
               <a:rPr lang="en-CA" smtClean="0"/>
               <a:pPr>
                 <a:defRPr/>
               </a:pPr>
-              <a:t>2019-11-30</a:t>
+              <a:t>2019-12-01</a:t>
             </a:fld>
             <a:endParaRPr lang="en-CA"/>
           </a:p>
@@ -3193,7 +3163,7 @@
             <a:pPr>
               <a:defRPr/>
             </a:pPr>
-            <a:fld id="{08016CF2-5BE1-4CBD-A7B7-EEE7593BEAD9}" type="slidenum">
+            <a:fld id="{BD56CCD1-2A48-4896-8B5C-3888DFB46B13}" type="slidenum">
               <a:rPr lang="en-CA" smtClean="0"/>
               <a:pPr>
                 <a:defRPr/>
@@ -3207,7 +3177,7 @@
     </p:spTree>
     <p:extLst>
       <p:ext uri="{BB962C8B-B14F-4D97-AF65-F5344CB8AC3E}">
-        <p14:creationId xmlns:p14="http://schemas.microsoft.com/office/powerpoint/2010/main" val="2007731528"/>
+        <p14:creationId xmlns:p14="http://schemas.microsoft.com/office/powerpoint/2010/main" val="2793301833"/>
       </p:ext>
     </p:extLst>
   </p:cSld>
@@ -3255,7 +3225,7 @@
           <a:lstStyle/>
           <a:p>
             <a:r>
-              <a:rPr lang="en-US" smtClean="0"/>
+              <a:rPr lang="en-US"/>
               <a:t>Click to edit Master title style</a:t>
             </a:r>
             <a:endParaRPr lang="en-US" dirty="0"/>
@@ -3284,35 +3254,35 @@
           <a:p>
             <a:pPr lvl="0"/>
             <a:r>
-              <a:rPr lang="en-US" smtClean="0"/>
-              <a:t>Edit Master text styles</a:t>
+              <a:rPr lang="en-US"/>
+              <a:t>Click to edit Master text styles</a:t>
             </a:r>
           </a:p>
           <a:p>
             <a:pPr lvl="1"/>
             <a:r>
-              <a:rPr lang="en-US" smtClean="0"/>
+              <a:rPr lang="en-US"/>
               <a:t>Second level</a:t>
             </a:r>
           </a:p>
           <a:p>
             <a:pPr lvl="2"/>
             <a:r>
-              <a:rPr lang="en-US" smtClean="0"/>
+              <a:rPr lang="en-US"/>
               <a:t>Third level</a:t>
             </a:r>
           </a:p>
           <a:p>
             <a:pPr lvl="3"/>
             <a:r>
-              <a:rPr lang="en-US" smtClean="0"/>
+              <a:rPr lang="en-US"/>
               <a:t>Fourth level</a:t>
             </a:r>
           </a:p>
           <a:p>
             <a:pPr lvl="4"/>
             <a:r>
-              <a:rPr lang="en-US" smtClean="0"/>
+              <a:rPr lang="en-US"/>
               <a:t>Fifth level</a:t>
             </a:r>
             <a:endParaRPr lang="en-US" dirty="0"/>
@@ -3337,12 +3307,12 @@
             <a:pPr>
               <a:defRPr/>
             </a:pPr>
-            <a:fld id="{E79CB444-3EC1-4B50-A9AF-B0833FB49961}" type="datetimeFigureOut">
+            <a:fld id="{E5A01948-7430-4F4B-9180-067B0A79E24F}" type="datetimeFigureOut">
               <a:rPr lang="en-CA" smtClean="0"/>
               <a:pPr>
                 <a:defRPr/>
               </a:pPr>
-              <a:t>2019-11-30</a:t>
+              <a:t>2019-12-01</a:t>
             </a:fld>
             <a:endParaRPr lang="en-CA"/>
           </a:p>
@@ -3388,7 +3358,7 @@
             <a:pPr>
               <a:defRPr/>
             </a:pPr>
-            <a:fld id="{1E948EC6-EFF1-44FD-994D-24A861C48DBC}" type="slidenum">
+            <a:fld id="{BD56CCD1-2A48-4896-8B5C-3888DFB46B13}" type="slidenum">
               <a:rPr lang="en-CA" smtClean="0"/>
               <a:pPr>
                 <a:defRPr/>
@@ -3402,7 +3372,7 @@
     </p:spTree>
     <p:extLst>
       <p:ext uri="{BB962C8B-B14F-4D97-AF65-F5344CB8AC3E}">
-        <p14:creationId xmlns:p14="http://schemas.microsoft.com/office/powerpoint/2010/main" val="2113224447"/>
+        <p14:creationId xmlns:p14="http://schemas.microsoft.com/office/powerpoint/2010/main" val="2901372648"/>
       </p:ext>
     </p:extLst>
   </p:cSld>
@@ -3445,7 +3415,7 @@
           <a:lstStyle/>
           <a:p>
             <a:r>
-              <a:rPr lang="en-US" smtClean="0"/>
+              <a:rPr lang="en-US"/>
               <a:t>Click to edit Master title style</a:t>
             </a:r>
             <a:endParaRPr lang="en-US" dirty="0"/>
@@ -3469,35 +3439,35 @@
           <a:p>
             <a:pPr lvl="0"/>
             <a:r>
-              <a:rPr lang="en-US" smtClean="0"/>
-              <a:t>Edit Master text styles</a:t>
+              <a:rPr lang="en-US"/>
+              <a:t>Click to edit Master text styles</a:t>
             </a:r>
           </a:p>
           <a:p>
             <a:pPr lvl="1"/>
             <a:r>
-              <a:rPr lang="en-US" smtClean="0"/>
+              <a:rPr lang="en-US"/>
               <a:t>Second level</a:t>
             </a:r>
           </a:p>
           <a:p>
             <a:pPr lvl="2"/>
             <a:r>
-              <a:rPr lang="en-US" smtClean="0"/>
+              <a:rPr lang="en-US"/>
               <a:t>Third level</a:t>
             </a:r>
           </a:p>
           <a:p>
             <a:pPr lvl="3"/>
             <a:r>
-              <a:rPr lang="en-US" smtClean="0"/>
+              <a:rPr lang="en-US"/>
               <a:t>Fourth level</a:t>
             </a:r>
           </a:p>
           <a:p>
             <a:pPr lvl="4"/>
             <a:r>
-              <a:rPr lang="en-US" smtClean="0"/>
+              <a:rPr lang="en-US"/>
               <a:t>Fifth level</a:t>
             </a:r>
             <a:endParaRPr lang="en-US" dirty="0"/>
@@ -3506,7 +3476,7 @@
       </p:sp>
       <p:sp>
         <p:nvSpPr>
-          <p:cNvPr id="7" name="Date Placeholder 3"/>
+          <p:cNvPr id="4" name="Date Placeholder 3"/>
           <p:cNvSpPr>
             <a:spLocks noGrp="1"/>
           </p:cNvSpPr>
@@ -3522,12 +3492,12 @@
             <a:pPr>
               <a:defRPr/>
             </a:pPr>
-            <a:fld id="{E773E6AF-80A0-463E-85E1-F32F431C9752}" type="datetimeFigureOut">
+            <a:fld id="{E5A01948-7430-4F4B-9180-067B0A79E24F}" type="datetimeFigureOut">
               <a:rPr lang="en-CA" smtClean="0"/>
               <a:pPr>
                 <a:defRPr/>
               </a:pPr>
-              <a:t>2019-11-30</a:t>
+              <a:t>2019-12-01</a:t>
             </a:fld>
             <a:endParaRPr lang="en-CA"/>
           </a:p>
@@ -3573,7 +3543,7 @@
             <a:pPr>
               <a:defRPr/>
             </a:pPr>
-            <a:fld id="{9DAC8F48-84E4-491B-8381-66F68EC4B461}" type="slidenum">
+            <a:fld id="{BD56CCD1-2A48-4896-8B5C-3888DFB46B13}" type="slidenum">
               <a:rPr lang="en-CA" smtClean="0"/>
               <a:pPr>
                 <a:defRPr/>
@@ -3587,7 +3557,7 @@
     </p:spTree>
     <p:extLst>
       <p:ext uri="{BB962C8B-B14F-4D97-AF65-F5344CB8AC3E}">
-        <p14:creationId xmlns:p14="http://schemas.microsoft.com/office/powerpoint/2010/main" val="3178753234"/>
+        <p14:creationId xmlns:p14="http://schemas.microsoft.com/office/powerpoint/2010/main" val="2178450308"/>
       </p:ext>
     </p:extLst>
   </p:cSld>
@@ -3639,7 +3609,7 @@
           </a:lstStyle>
           <a:p>
             <a:r>
-              <a:rPr lang="en-US" smtClean="0"/>
+              <a:rPr lang="en-US"/>
               <a:t>Click to edit Master title style</a:t>
             </a:r>
             <a:endParaRPr lang="en-US" dirty="0"/>
@@ -3669,10 +3639,7 @@
               <a:buNone/>
               <a:defRPr sz="2000" cap="all">
                 <a:solidFill>
-                  <a:schemeClr val="bg2">
-                    <a:lumMod val="40000"/>
-                    <a:lumOff val="60000"/>
-                  </a:schemeClr>
+                  <a:schemeClr val="accent1"/>
                 </a:solidFill>
               </a:defRPr>
             </a:lvl1pPr>
@@ -3760,8 +3727,8 @@
           <a:p>
             <a:pPr lvl="0"/>
             <a:r>
-              <a:rPr lang="en-US" smtClean="0"/>
-              <a:t>Edit Master text styles</a:t>
+              <a:rPr lang="en-US"/>
+              <a:t>Click to edit Master text styles</a:t>
             </a:r>
           </a:p>
         </p:txBody>
@@ -3789,7 +3756,7 @@
               <a:pPr>
                 <a:defRPr/>
               </a:pPr>
-              <a:t>2019-11-30</a:t>
+              <a:t>2019-12-01</a:t>
             </a:fld>
             <a:endParaRPr lang="en-CA"/>
           </a:p>
@@ -3849,13 +3816,18 @@
     </p:spTree>
     <p:extLst>
       <p:ext uri="{BB962C8B-B14F-4D97-AF65-F5344CB8AC3E}">
-        <p14:creationId xmlns:p14="http://schemas.microsoft.com/office/powerpoint/2010/main" val="3051225930"/>
+        <p14:creationId xmlns:p14="http://schemas.microsoft.com/office/powerpoint/2010/main" val="126126418"/>
       </p:ext>
     </p:extLst>
   </p:cSld>
   <p:clrMapOvr>
     <a:masterClrMapping/>
   </p:clrMapOvr>
+  <p:extLst>
+    <p:ext uri="{DCECCB84-F9BA-43D5-87BE-67443E8EF086}">
+      <p15:sldGuideLst xmlns:p15="http://schemas.microsoft.com/office/powerpoint/2012/main"/>
+    </p:ext>
+  </p:extLst>
 </p:sldLayout>
 </file>
 
@@ -3892,7 +3864,7 @@
           <a:lstStyle/>
           <a:p>
             <a:r>
-              <a:rPr lang="en-US" smtClean="0"/>
+              <a:rPr lang="en-US"/>
               <a:t>Click to edit Master title style</a:t>
             </a:r>
             <a:endParaRPr lang="en-US" dirty="0"/>
@@ -3951,35 +3923,35 @@
           <a:p>
             <a:pPr lvl="0"/>
             <a:r>
-              <a:rPr lang="en-US" smtClean="0"/>
-              <a:t>Edit Master text styles</a:t>
+              <a:rPr lang="en-US"/>
+              <a:t>Click to edit Master text styles</a:t>
             </a:r>
           </a:p>
           <a:p>
             <a:pPr lvl="1"/>
             <a:r>
-              <a:rPr lang="en-US" smtClean="0"/>
+              <a:rPr lang="en-US"/>
               <a:t>Second level</a:t>
             </a:r>
           </a:p>
           <a:p>
             <a:pPr lvl="2"/>
             <a:r>
-              <a:rPr lang="en-US" smtClean="0"/>
+              <a:rPr lang="en-US"/>
               <a:t>Third level</a:t>
             </a:r>
           </a:p>
           <a:p>
             <a:pPr lvl="3"/>
             <a:r>
-              <a:rPr lang="en-US" smtClean="0"/>
+              <a:rPr lang="en-US"/>
               <a:t>Fourth level</a:t>
             </a:r>
           </a:p>
           <a:p>
             <a:pPr lvl="4"/>
             <a:r>
-              <a:rPr lang="en-US" smtClean="0"/>
+              <a:rPr lang="en-US"/>
               <a:t>Fifth level</a:t>
             </a:r>
             <a:endParaRPr lang="en-US" dirty="0"/>
@@ -4038,35 +4010,35 @@
           <a:p>
             <a:pPr lvl="0"/>
             <a:r>
-              <a:rPr lang="en-US" smtClean="0"/>
-              <a:t>Edit Master text styles</a:t>
+              <a:rPr lang="en-US"/>
+              <a:t>Click to edit Master text styles</a:t>
             </a:r>
           </a:p>
           <a:p>
             <a:pPr lvl="1"/>
             <a:r>
-              <a:rPr lang="en-US" smtClean="0"/>
+              <a:rPr lang="en-US"/>
               <a:t>Second level</a:t>
             </a:r>
           </a:p>
           <a:p>
             <a:pPr lvl="2"/>
             <a:r>
-              <a:rPr lang="en-US" smtClean="0"/>
+              <a:rPr lang="en-US"/>
               <a:t>Third level</a:t>
             </a:r>
           </a:p>
           <a:p>
             <a:pPr lvl="3"/>
             <a:r>
-              <a:rPr lang="en-US" smtClean="0"/>
+              <a:rPr lang="en-US"/>
               <a:t>Fourth level</a:t>
             </a:r>
           </a:p>
           <a:p>
             <a:pPr lvl="4"/>
             <a:r>
-              <a:rPr lang="en-US" smtClean="0"/>
+              <a:rPr lang="en-US"/>
               <a:t>Fifth level</a:t>
             </a:r>
             <a:endParaRPr lang="en-US" dirty="0"/>
@@ -4091,12 +4063,12 @@
             <a:pPr>
               <a:defRPr/>
             </a:pPr>
-            <a:fld id="{433C49CA-787A-4C93-86CE-6580D6A9E569}" type="datetimeFigureOut">
+            <a:fld id="{E5A01948-7430-4F4B-9180-067B0A79E24F}" type="datetimeFigureOut">
               <a:rPr lang="en-CA" smtClean="0"/>
               <a:pPr>
                 <a:defRPr/>
               </a:pPr>
-              <a:t>2019-11-30</a:t>
+              <a:t>2019-12-01</a:t>
             </a:fld>
             <a:endParaRPr lang="en-CA"/>
           </a:p>
@@ -4142,7 +4114,7 @@
             <a:pPr>
               <a:defRPr/>
             </a:pPr>
-            <a:fld id="{68337D50-14F5-41B4-9B0E-44672ED178BA}" type="slidenum">
+            <a:fld id="{BD56CCD1-2A48-4896-8B5C-3888DFB46B13}" type="slidenum">
               <a:rPr lang="en-CA" smtClean="0"/>
               <a:pPr>
                 <a:defRPr/>
@@ -4156,7 +4128,7 @@
     </p:spTree>
     <p:extLst>
       <p:ext uri="{BB962C8B-B14F-4D97-AF65-F5344CB8AC3E}">
-        <p14:creationId xmlns:p14="http://schemas.microsoft.com/office/powerpoint/2010/main" val="3989746853"/>
+        <p14:creationId xmlns:p14="http://schemas.microsoft.com/office/powerpoint/2010/main" val="3936555240"/>
       </p:ext>
     </p:extLst>
   </p:cSld>
@@ -4203,7 +4175,7 @@
           </a:lstStyle>
           <a:p>
             <a:r>
-              <a:rPr lang="en-US" smtClean="0"/>
+              <a:rPr lang="en-US"/>
               <a:t>Click to edit Master title style</a:t>
             </a:r>
             <a:endParaRPr lang="en-US" dirty="0"/>
@@ -4235,10 +4207,7 @@
               <a:buNone/>
               <a:defRPr sz="2400" b="0">
                 <a:solidFill>
-                  <a:schemeClr val="bg2">
-                    <a:lumMod val="40000"/>
-                    <a:lumOff val="60000"/>
-                  </a:schemeClr>
+                  <a:schemeClr val="accent1"/>
                 </a:solidFill>
               </a:defRPr>
             </a:lvl1pPr>
@@ -4278,8 +4247,8 @@
           <a:p>
             <a:pPr lvl="0"/>
             <a:r>
-              <a:rPr lang="en-US" smtClean="0"/>
-              <a:t>Edit Master text styles</a:t>
+              <a:rPr lang="en-US"/>
+              <a:t>Click to edit Master text styles</a:t>
             </a:r>
           </a:p>
         </p:txBody>
@@ -4336,35 +4305,35 @@
           <a:p>
             <a:pPr lvl="0"/>
             <a:r>
-              <a:rPr lang="en-US" smtClean="0"/>
-              <a:t>Edit Master text styles</a:t>
+              <a:rPr lang="en-US"/>
+              <a:t>Click to edit Master text styles</a:t>
             </a:r>
           </a:p>
           <a:p>
             <a:pPr lvl="1"/>
             <a:r>
-              <a:rPr lang="en-US" smtClean="0"/>
+              <a:rPr lang="en-US"/>
               <a:t>Second level</a:t>
             </a:r>
           </a:p>
           <a:p>
             <a:pPr lvl="2"/>
             <a:r>
-              <a:rPr lang="en-US" smtClean="0"/>
+              <a:rPr lang="en-US"/>
               <a:t>Third level</a:t>
             </a:r>
           </a:p>
           <a:p>
             <a:pPr lvl="3"/>
             <a:r>
-              <a:rPr lang="en-US" smtClean="0"/>
+              <a:rPr lang="en-US"/>
               <a:t>Fourth level</a:t>
             </a:r>
           </a:p>
           <a:p>
             <a:pPr lvl="4"/>
             <a:r>
-              <a:rPr lang="en-US" smtClean="0"/>
+              <a:rPr lang="en-US"/>
               <a:t>Fifth level</a:t>
             </a:r>
             <a:endParaRPr lang="en-US" dirty="0"/>
@@ -4396,10 +4365,7 @@
               <a:buNone/>
               <a:defRPr sz="2400" b="0">
                 <a:solidFill>
-                  <a:schemeClr val="bg2">
-                    <a:lumMod val="40000"/>
-                    <a:lumOff val="60000"/>
-                  </a:schemeClr>
+                  <a:schemeClr val="accent1"/>
                 </a:solidFill>
               </a:defRPr>
             </a:lvl1pPr>
@@ -4439,8 +4405,8 @@
           <a:p>
             <a:pPr lvl="0"/>
             <a:r>
-              <a:rPr lang="en-US" smtClean="0"/>
-              <a:t>Edit Master text styles</a:t>
+              <a:rPr lang="en-US"/>
+              <a:t>Click to edit Master text styles</a:t>
             </a:r>
           </a:p>
         </p:txBody>
@@ -4497,35 +4463,35 @@
           <a:p>
             <a:pPr lvl="0"/>
             <a:r>
-              <a:rPr lang="en-US" smtClean="0"/>
-              <a:t>Edit Master text styles</a:t>
+              <a:rPr lang="en-US"/>
+              <a:t>Click to edit Master text styles</a:t>
             </a:r>
           </a:p>
           <a:p>
             <a:pPr lvl="1"/>
             <a:r>
-              <a:rPr lang="en-US" smtClean="0"/>
+              <a:rPr lang="en-US"/>
               <a:t>Second level</a:t>
             </a:r>
           </a:p>
           <a:p>
             <a:pPr lvl="2"/>
             <a:r>
-              <a:rPr lang="en-US" smtClean="0"/>
+              <a:rPr lang="en-US"/>
               <a:t>Third level</a:t>
             </a:r>
           </a:p>
           <a:p>
             <a:pPr lvl="3"/>
             <a:r>
-              <a:rPr lang="en-US" smtClean="0"/>
+              <a:rPr lang="en-US"/>
               <a:t>Fourth level</a:t>
             </a:r>
           </a:p>
           <a:p>
             <a:pPr lvl="4"/>
             <a:r>
-              <a:rPr lang="en-US" smtClean="0"/>
+              <a:rPr lang="en-US"/>
               <a:t>Fifth level</a:t>
             </a:r>
             <a:endParaRPr lang="en-US" dirty="0"/>
@@ -4550,12 +4516,12 @@
             <a:pPr>
               <a:defRPr/>
             </a:pPr>
-            <a:fld id="{3B60341D-0228-4BDB-81C6-7141977C713A}" type="datetimeFigureOut">
+            <a:fld id="{E5A01948-7430-4F4B-9180-067B0A79E24F}" type="datetimeFigureOut">
               <a:rPr lang="en-CA" smtClean="0"/>
               <a:pPr>
                 <a:defRPr/>
               </a:pPr>
-              <a:t>2019-11-30</a:t>
+              <a:t>2019-12-01</a:t>
             </a:fld>
             <a:endParaRPr lang="en-CA"/>
           </a:p>
@@ -4601,7 +4567,7 @@
             <a:pPr>
               <a:defRPr/>
             </a:pPr>
-            <a:fld id="{D71B53F8-061E-447D-AF32-7E6769EB2C02}" type="slidenum">
+            <a:fld id="{BD56CCD1-2A48-4896-8B5C-3888DFB46B13}" type="slidenum">
               <a:rPr lang="en-CA" smtClean="0"/>
               <a:pPr>
                 <a:defRPr/>
@@ -4615,7 +4581,7 @@
     </p:spTree>
     <p:extLst>
       <p:ext uri="{BB962C8B-B14F-4D97-AF65-F5344CB8AC3E}">
-        <p14:creationId xmlns:p14="http://schemas.microsoft.com/office/powerpoint/2010/main" val="3260153405"/>
+        <p14:creationId xmlns:p14="http://schemas.microsoft.com/office/powerpoint/2010/main" val="3803212184"/>
       </p:ext>
     </p:extLst>
   </p:cSld>
@@ -4658,7 +4624,7 @@
           <a:lstStyle/>
           <a:p>
             <a:r>
-              <a:rPr lang="en-US" smtClean="0"/>
+              <a:rPr lang="en-US"/>
               <a:t>Click to edit Master title style</a:t>
             </a:r>
             <a:endParaRPr lang="en-US" dirty="0"/>
@@ -4688,7 +4654,7 @@
               <a:pPr>
                 <a:defRPr/>
               </a:pPr>
-              <a:t>2019-11-30</a:t>
+              <a:t>2019-12-01</a:t>
             </a:fld>
             <a:endParaRPr lang="en-CA"/>
           </a:p>
@@ -4748,7 +4714,7 @@
     </p:spTree>
     <p:extLst>
       <p:ext uri="{BB962C8B-B14F-4D97-AF65-F5344CB8AC3E}">
-        <p14:creationId xmlns:p14="http://schemas.microsoft.com/office/powerpoint/2010/main" val="3523504413"/>
+        <p14:creationId xmlns:p14="http://schemas.microsoft.com/office/powerpoint/2010/main" val="670840304"/>
       </p:ext>
     </p:extLst>
   </p:cSld>
@@ -4798,7 +4764,7 @@
               <a:pPr>
                 <a:defRPr/>
               </a:pPr>
-              <a:t>2019-11-30</a:t>
+              <a:t>2019-12-01</a:t>
             </a:fld>
             <a:endParaRPr lang="en-CA"/>
           </a:p>
@@ -4858,13 +4824,18 @@
     </p:spTree>
     <p:extLst>
       <p:ext uri="{BB962C8B-B14F-4D97-AF65-F5344CB8AC3E}">
-        <p14:creationId xmlns:p14="http://schemas.microsoft.com/office/powerpoint/2010/main" val="3556778968"/>
+        <p14:creationId xmlns:p14="http://schemas.microsoft.com/office/powerpoint/2010/main" val="3227382964"/>
       </p:ext>
     </p:extLst>
   </p:cSld>
   <p:clrMapOvr>
     <a:masterClrMapping/>
   </p:clrMapOvr>
+  <p:extLst>
+    <p:ext uri="{DCECCB84-F9BA-43D5-87BE-67443E8EF086}">
+      <p15:sldGuideLst xmlns:p15="http://schemas.microsoft.com/office/powerpoint/2012/main"/>
+    </p:ext>
+  </p:extLst>
 </p:sldLayout>
 </file>
 
@@ -4897,7 +4868,7 @@
         </p:nvSpPr>
         <p:spPr>
           <a:xfrm>
-            <a:off x="1154953" y="1447800"/>
+            <a:off x="1154954" y="1447800"/>
             <a:ext cx="3401064" cy="1447800"/>
           </a:xfrm>
         </p:spPr>
@@ -4910,7 +4881,7 @@
           </a:lstStyle>
           <a:p>
             <a:r>
-              <a:rPr lang="en-US" smtClean="0"/>
+              <a:rPr lang="en-US"/>
               <a:t>Click to edit Master title style</a:t>
             </a:r>
             <a:endParaRPr lang="en-US" dirty="0"/>
@@ -4969,35 +4940,35 @@
           <a:p>
             <a:pPr lvl="0"/>
             <a:r>
-              <a:rPr lang="en-US" smtClean="0"/>
-              <a:t>Edit Master text styles</a:t>
+              <a:rPr lang="en-US"/>
+              <a:t>Click to edit Master text styles</a:t>
             </a:r>
           </a:p>
           <a:p>
             <a:pPr lvl="1"/>
             <a:r>
-              <a:rPr lang="en-US" smtClean="0"/>
+              <a:rPr lang="en-US"/>
               <a:t>Second level</a:t>
             </a:r>
           </a:p>
           <a:p>
             <a:pPr lvl="2"/>
             <a:r>
-              <a:rPr lang="en-US" smtClean="0"/>
+              <a:rPr lang="en-US"/>
               <a:t>Third level</a:t>
             </a:r>
           </a:p>
           <a:p>
             <a:pPr lvl="3"/>
             <a:r>
-              <a:rPr lang="en-US" smtClean="0"/>
+              <a:rPr lang="en-US"/>
               <a:t>Fourth level</a:t>
             </a:r>
           </a:p>
           <a:p>
             <a:pPr lvl="4"/>
             <a:r>
-              <a:rPr lang="en-US" smtClean="0"/>
+              <a:rPr lang="en-US"/>
               <a:t>Fifth level</a:t>
             </a:r>
             <a:endParaRPr lang="en-US" dirty="0"/>
@@ -5016,7 +4987,7 @@
         </p:nvSpPr>
         <p:spPr>
           <a:xfrm>
-            <a:off x="1154953" y="3129280"/>
+            <a:off x="1154954" y="3129280"/>
             <a:ext cx="3401063" cy="2895599"/>
           </a:xfrm>
         </p:spPr>
@@ -5063,8 +5034,8 @@
           <a:p>
             <a:pPr lvl="0"/>
             <a:r>
-              <a:rPr lang="en-US" smtClean="0"/>
-              <a:t>Edit Master text styles</a:t>
+              <a:rPr lang="en-US"/>
+              <a:t>Click to edit Master text styles</a:t>
             </a:r>
           </a:p>
         </p:txBody>
@@ -5087,12 +5058,12 @@
             <a:pPr>
               <a:defRPr/>
             </a:pPr>
-            <a:fld id="{2D3B817B-07AB-4DA7-9351-082C1C985903}" type="datetimeFigureOut">
+            <a:fld id="{E5A01948-7430-4F4B-9180-067B0A79E24F}" type="datetimeFigureOut">
               <a:rPr lang="en-CA" smtClean="0"/>
               <a:pPr>
                 <a:defRPr/>
               </a:pPr>
-              <a:t>2019-11-30</a:t>
+              <a:t>2019-12-01</a:t>
             </a:fld>
             <a:endParaRPr lang="en-CA"/>
           </a:p>
@@ -5138,7 +5109,7 @@
             <a:pPr>
               <a:defRPr/>
             </a:pPr>
-            <a:fld id="{452F00D2-6555-4E64-9CA9-7467A2144B0C}" type="slidenum">
+            <a:fld id="{BD56CCD1-2A48-4896-8B5C-3888DFB46B13}" type="slidenum">
               <a:rPr lang="en-CA" smtClean="0"/>
               <a:pPr>
                 <a:defRPr/>
@@ -5152,7 +5123,7 @@
     </p:spTree>
     <p:extLst>
       <p:ext uri="{BB962C8B-B14F-4D97-AF65-F5344CB8AC3E}">
-        <p14:creationId xmlns:p14="http://schemas.microsoft.com/office/powerpoint/2010/main" val="1000509705"/>
+        <p14:creationId xmlns:p14="http://schemas.microsoft.com/office/powerpoint/2010/main" val="3193336882"/>
       </p:ext>
     </p:extLst>
   </p:cSld>
@@ -5206,7 +5177,7 @@
           </a:lstStyle>
           <a:p>
             <a:r>
-              <a:rPr lang="en-US" smtClean="0"/>
+              <a:rPr lang="en-US"/>
               <a:t>Click to edit Master title style</a:t>
             </a:r>
             <a:endParaRPr lang="en-US" dirty="0"/>
@@ -5285,7 +5256,7 @@
           </a:lstStyle>
           <a:p>
             <a:r>
-              <a:rPr lang="en-US" smtClean="0"/>
+              <a:rPr lang="en-US"/>
               <a:t>Click icon to add picture</a:t>
             </a:r>
             <a:endParaRPr lang="en-US" dirty="0"/>
@@ -5353,8 +5324,8 @@
           <a:p>
             <a:pPr lvl="0"/>
             <a:r>
-              <a:rPr lang="en-US" smtClean="0"/>
-              <a:t>Edit Master text styles</a:t>
+              <a:rPr lang="en-US"/>
+              <a:t>Click to edit Master text styles</a:t>
             </a:r>
           </a:p>
         </p:txBody>
@@ -5377,12 +5348,12 @@
             <a:pPr>
               <a:defRPr/>
             </a:pPr>
-            <a:fld id="{78343BB4-BD01-4370-8171-6481BF191260}" type="datetimeFigureOut">
+            <a:fld id="{E5A01948-7430-4F4B-9180-067B0A79E24F}" type="datetimeFigureOut">
               <a:rPr lang="en-CA" smtClean="0"/>
               <a:pPr>
                 <a:defRPr/>
               </a:pPr>
-              <a:t>2019-11-30</a:t>
+              <a:t>2019-12-01</a:t>
             </a:fld>
             <a:endParaRPr lang="en-CA"/>
           </a:p>
@@ -5428,7 +5399,7 @@
             <a:pPr>
               <a:defRPr/>
             </a:pPr>
-            <a:fld id="{1EA1CB97-CE46-42E9-A1E0-BFC062C2AB86}" type="slidenum">
+            <a:fld id="{BD56CCD1-2A48-4896-8B5C-3888DFB46B13}" type="slidenum">
               <a:rPr lang="en-CA" smtClean="0"/>
               <a:pPr>
                 <a:defRPr/>
@@ -5442,7 +5413,7 @@
     </p:spTree>
     <p:extLst>
       <p:ext uri="{BB962C8B-B14F-4D97-AF65-F5344CB8AC3E}">
-        <p14:creationId xmlns:p14="http://schemas.microsoft.com/office/powerpoint/2010/main" val="650915832"/>
+        <p14:creationId xmlns:p14="http://schemas.microsoft.com/office/powerpoint/2010/main" val="3303177453"/>
       </p:ext>
     </p:extLst>
   </p:cSld>
@@ -5550,22 +5521,22 @@
             <a:gsLst>
               <a:gs pos="0">
                 <a:schemeClr val="bg2">
-                  <a:lumMod val="60000"/>
-                  <a:lumOff val="40000"/>
+                  <a:lumMod val="40000"/>
+                  <a:lumOff val="60000"/>
                   <a:alpha val="7000"/>
                 </a:schemeClr>
               </a:gs>
               <a:gs pos="69000">
                 <a:schemeClr val="bg2">
-                  <a:lumMod val="60000"/>
-                  <a:lumOff val="40000"/>
+                  <a:lumMod val="40000"/>
+                  <a:lumOff val="60000"/>
                   <a:alpha val="0"/>
                 </a:schemeClr>
               </a:gs>
               <a:gs pos="36000">
                 <a:schemeClr val="bg2">
-                  <a:lumMod val="60000"/>
-                  <a:lumOff val="40000"/>
+                  <a:lumMod val="40000"/>
+                  <a:lumOff val="60000"/>
                   <a:alpha val="6000"/>
                 </a:schemeClr>
               </a:gs>
@@ -5645,7 +5616,7 @@
         </p:blipFill>
         <p:spPr>
           <a:xfrm>
-            <a:off x="8605878" y="6096000"/>
+            <a:off x="8609012" y="6096000"/>
             <a:ext cx="993734" cy="762000"/>
           </a:xfrm>
           <a:prstGeom prst="rect">
@@ -5715,7 +5686,7 @@
           <a:lstStyle/>
           <a:p>
             <a:r>
-              <a:rPr lang="en-US" smtClean="0"/>
+              <a:rPr lang="en-US"/>
               <a:t>Click to edit Master title style</a:t>
             </a:r>
             <a:endParaRPr lang="en-US" dirty="0"/>
@@ -5749,35 +5720,35 @@
           <a:p>
             <a:pPr lvl="0"/>
             <a:r>
-              <a:rPr lang="en-US" smtClean="0"/>
-              <a:t>Edit Master text styles</a:t>
+              <a:rPr lang="en-US"/>
+              <a:t>Click to edit Master text styles</a:t>
             </a:r>
           </a:p>
           <a:p>
             <a:pPr lvl="1"/>
             <a:r>
-              <a:rPr lang="en-US" smtClean="0"/>
+              <a:rPr lang="en-US"/>
               <a:t>Second level</a:t>
             </a:r>
           </a:p>
           <a:p>
             <a:pPr lvl="2"/>
             <a:r>
-              <a:rPr lang="en-US" smtClean="0"/>
+              <a:rPr lang="en-US"/>
               <a:t>Third level</a:t>
             </a:r>
           </a:p>
           <a:p>
             <a:pPr lvl="3"/>
             <a:r>
-              <a:rPr lang="en-US" smtClean="0"/>
+              <a:rPr lang="en-US"/>
               <a:t>Fourth level</a:t>
             </a:r>
           </a:p>
           <a:p>
             <a:pPr lvl="4"/>
             <a:r>
-              <a:rPr lang="en-US" smtClean="0"/>
+              <a:rPr lang="en-US"/>
               <a:t>Fifth level</a:t>
             </a:r>
             <a:endParaRPr lang="en-US" dirty="0"/>
@@ -5826,7 +5797,7 @@
               <a:pPr>
                 <a:defRPr/>
               </a:pPr>
-              <a:t>2019-11-30</a:t>
+              <a:t>2019-12-01</a:t>
             </a:fld>
             <a:endParaRPr lang="en-CA"/>
           </a:p>
@@ -5883,7 +5854,7 @@
             <p:ph type="sldNum" sz="quarter" idx="4"/>
           </p:nvPr>
         </p:nvSpPr>
-        <p:spPr bwMode="gray">
+        <p:spPr>
           <a:xfrm>
             <a:off x="10352540" y="295729"/>
             <a:ext cx="838199" cy="767687"/>
@@ -5923,29 +5894,29 @@
     </p:spTree>
     <p:extLst>
       <p:ext uri="{BB962C8B-B14F-4D97-AF65-F5344CB8AC3E}">
-        <p14:creationId xmlns:p14="http://schemas.microsoft.com/office/powerpoint/2010/main" val="1139890718"/>
+        <p14:creationId xmlns:p14="http://schemas.microsoft.com/office/powerpoint/2010/main" val="1187985749"/>
       </p:ext>
     </p:extLst>
   </p:cSld>
   <p:clrMap bg1="dk1" tx1="lt1" bg2="dk2" tx2="lt2" accent1="accent1" accent2="accent2" accent3="accent3" accent4="accent4" accent5="accent5" accent6="accent6" hlink="hlink" folHlink="folHlink"/>
   <p:sldLayoutIdLst>
-    <p:sldLayoutId id="2147483661" r:id="rId1"/>
-    <p:sldLayoutId id="2147483662" r:id="rId2"/>
-    <p:sldLayoutId id="2147483663" r:id="rId3"/>
-    <p:sldLayoutId id="2147483664" r:id="rId4"/>
-    <p:sldLayoutId id="2147483665" r:id="rId5"/>
-    <p:sldLayoutId id="2147483666" r:id="rId6"/>
-    <p:sldLayoutId id="2147483667" r:id="rId7"/>
-    <p:sldLayoutId id="2147483668" r:id="rId8"/>
-    <p:sldLayoutId id="2147483669" r:id="rId9"/>
-    <p:sldLayoutId id="2147483670" r:id="rId10"/>
-    <p:sldLayoutId id="2147483671" r:id="rId11"/>
-    <p:sldLayoutId id="2147483672" r:id="rId12"/>
-    <p:sldLayoutId id="2147483673" r:id="rId13"/>
-    <p:sldLayoutId id="2147483674" r:id="rId14"/>
-    <p:sldLayoutId id="2147483675" r:id="rId15"/>
-    <p:sldLayoutId id="2147483676" r:id="rId16"/>
-    <p:sldLayoutId id="2147483677" r:id="rId17"/>
+    <p:sldLayoutId id="2147484636" r:id="rId1"/>
+    <p:sldLayoutId id="2147484637" r:id="rId2"/>
+    <p:sldLayoutId id="2147484638" r:id="rId3"/>
+    <p:sldLayoutId id="2147484639" r:id="rId4"/>
+    <p:sldLayoutId id="2147484640" r:id="rId5"/>
+    <p:sldLayoutId id="2147484641" r:id="rId6"/>
+    <p:sldLayoutId id="2147484642" r:id="rId7"/>
+    <p:sldLayoutId id="2147484643" r:id="rId8"/>
+    <p:sldLayoutId id="2147484644" r:id="rId9"/>
+    <p:sldLayoutId id="2147484645" r:id="rId10"/>
+    <p:sldLayoutId id="2147484646" r:id="rId11"/>
+    <p:sldLayoutId id="2147484647" r:id="rId12"/>
+    <p:sldLayoutId id="2147484648" r:id="rId13"/>
+    <p:sldLayoutId id="2147484649" r:id="rId14"/>
+    <p:sldLayoutId id="2147484650" r:id="rId15"/>
+    <p:sldLayoutId id="2147484651" r:id="rId16"/>
+    <p:sldLayoutId id="2147484652" r:id="rId17"/>
   </p:sldLayoutIdLst>
   <p:txStyles>
     <p:titleStyle>
@@ -6029,10 +6000,7 @@
           <a:spcPts val="0"/>
         </a:spcAft>
         <a:buClr>
-          <a:schemeClr val="bg2">
-            <a:lumMod val="40000"/>
-            <a:lumOff val="60000"/>
-          </a:schemeClr>
+          <a:schemeClr val="accent1"/>
         </a:buClr>
         <a:buSzPct val="80000"/>
         <a:buFont typeface="Wingdings 3" charset="2"/>
@@ -6054,10 +6022,7 @@
           <a:spcPts val="0"/>
         </a:spcAft>
         <a:buClr>
-          <a:schemeClr val="bg2">
-            <a:lumMod val="40000"/>
-            <a:lumOff val="60000"/>
-          </a:schemeClr>
+          <a:schemeClr val="accent1"/>
         </a:buClr>
         <a:buSzPct val="80000"/>
         <a:buFont typeface="Wingdings 3" charset="2"/>
@@ -6079,10 +6044,7 @@
           <a:spcPts val="0"/>
         </a:spcAft>
         <a:buClr>
-          <a:schemeClr val="bg2">
-            <a:lumMod val="40000"/>
-            <a:lumOff val="60000"/>
-          </a:schemeClr>
+          <a:schemeClr val="accent1"/>
         </a:buClr>
         <a:buSzPct val="80000"/>
         <a:buFont typeface="Wingdings 3" charset="2"/>
@@ -6104,10 +6066,7 @@
           <a:spcPts val="0"/>
         </a:spcAft>
         <a:buClr>
-          <a:schemeClr val="bg2">
-            <a:lumMod val="40000"/>
-            <a:lumOff val="60000"/>
-          </a:schemeClr>
+          <a:schemeClr val="accent1"/>
         </a:buClr>
         <a:buSzPct val="80000"/>
         <a:buFont typeface="Wingdings 3" charset="2"/>
@@ -6129,10 +6088,7 @@
           <a:spcPts val="0"/>
         </a:spcAft>
         <a:buClr>
-          <a:schemeClr val="bg2">
-            <a:lumMod val="40000"/>
-            <a:lumOff val="60000"/>
-          </a:schemeClr>
+          <a:schemeClr val="accent1"/>
         </a:buClr>
         <a:buSzPct val="80000"/>
         <a:buFont typeface="Wingdings 3" charset="2"/>
@@ -6146,7 +6102,7 @@
           <a:cs typeface="+mj-cs"/>
         </a:defRPr>
       </a:lvl5pPr>
-      <a:lvl6pPr marL="2506000" indent="-228600" algn="l" defTabSz="457200" rtl="0" eaLnBrk="1" latinLnBrk="0" hangingPunct="1">
+      <a:lvl6pPr marL="2514600" indent="-228600" algn="l" defTabSz="457200" rtl="0" eaLnBrk="1" latinLnBrk="0" hangingPunct="1">
         <a:spcBef>
           <a:spcPts val="1000"/>
         </a:spcBef>
@@ -6154,10 +6110,7 @@
           <a:spcPts val="0"/>
         </a:spcAft>
         <a:buClr>
-          <a:schemeClr val="bg2">
-            <a:lumMod val="40000"/>
-            <a:lumOff val="60000"/>
-          </a:schemeClr>
+          <a:schemeClr val="accent1"/>
         </a:buClr>
         <a:buSzPct val="80000"/>
         <a:buFont typeface="Wingdings 3" charset="2"/>
@@ -6179,10 +6132,7 @@
           <a:spcPts val="0"/>
         </a:spcAft>
         <a:buClr>
-          <a:schemeClr val="bg2">
-            <a:lumMod val="40000"/>
-            <a:lumOff val="60000"/>
-          </a:schemeClr>
+          <a:schemeClr val="accent1"/>
         </a:buClr>
         <a:buSzPct val="80000"/>
         <a:buFont typeface="Wingdings 3" charset="2"/>
@@ -6204,10 +6154,7 @@
           <a:spcPts val="0"/>
         </a:spcAft>
         <a:buClr>
-          <a:schemeClr val="bg2">
-            <a:lumMod val="40000"/>
-            <a:lumOff val="60000"/>
-          </a:schemeClr>
+          <a:schemeClr val="accent1"/>
         </a:buClr>
         <a:buSzPct val="80000"/>
         <a:buFont typeface="Wingdings 3" charset="2"/>
@@ -6229,10 +6176,7 @@
           <a:spcPts val="0"/>
         </a:spcAft>
         <a:buClr>
-          <a:schemeClr val="bg2">
-            <a:lumMod val="40000"/>
-            <a:lumOff val="60000"/>
-          </a:schemeClr>
+          <a:schemeClr val="accent1"/>
         </a:buClr>
         <a:buSzPct val="80000"/>
         <a:buFont typeface="Wingdings 3" charset="2"/>
@@ -6343,6 +6287,11 @@
       </a:lvl9pPr>
     </p:otherStyle>
   </p:txStyles>
+  <p:extLst>
+    <p:ext uri="{27BBF7A9-308A-43DC-89C8-2F10F3537804}">
+      <p15:sldGuideLst xmlns:p15="http://schemas.microsoft.com/office/powerpoint/2012/main"/>
+    </p:ext>
+  </p:extLst>
 </p:sldMaster>
 </file>
 
@@ -6385,10 +6334,10 @@
           <a:p>
             <a:pPr algn="ctr" eaLnBrk="1" hangingPunct="1"/>
             <a:r>
-              <a:rPr lang="en-US" altLang="en-US" dirty="0" smtClean="0"/>
+              <a:rPr lang="en-US" altLang="en-US" dirty="0"/>
               <a:t>Movie Now</a:t>
             </a:r>
-            <a:endParaRPr lang="en-CA" altLang="en-US" dirty="0" smtClean="0"/>
+            <a:endParaRPr lang="en-CA" altLang="en-US" dirty="0"/>
           </a:p>
         </p:txBody>
       </p:sp>
@@ -6405,54 +6354,54 @@
         <p:spPr/>
         <p:txBody>
           <a:bodyPr>
-            <a:normAutofit fontScale="70000" lnSpcReduction="20000"/>
+            <a:noAutofit/>
           </a:bodyPr>
           <a:lstStyle/>
           <a:p>
             <a:pPr eaLnBrk="1" hangingPunct="1"/>
             <a:r>
-              <a:rPr lang="en-US" altLang="en-US" dirty="0" smtClean="0"/>
+              <a:rPr lang="en-US" altLang="en-US" sz="1800" dirty="0"/>
               <a:t>UR </a:t>
             </a:r>
             <a:r>
-              <a:rPr lang="en-US" altLang="en-US" dirty="0" err="1" smtClean="0"/>
+              <a:rPr lang="en-US" altLang="en-US" sz="1800" dirty="0" err="1"/>
               <a:t>Xtech</a:t>
             </a:r>
-            <a:endParaRPr lang="en-US" altLang="en-US" dirty="0" smtClean="0"/>
-          </a:p>
-          <a:p>
-            <a:r>
-              <a:rPr lang="en-US" altLang="en-US" dirty="0"/>
+            <a:endParaRPr lang="en-US" altLang="en-US" sz="1800" dirty="0"/>
+          </a:p>
+          <a:p>
+            <a:r>
+              <a:rPr lang="en-US" altLang="en-US" sz="1800" dirty="0"/>
               <a:t>Julio A. Silva, Kaden </a:t>
             </a:r>
             <a:r>
-              <a:rPr lang="en-US" altLang="en-US" dirty="0" err="1"/>
+              <a:rPr lang="en-US" altLang="en-US" sz="1800" dirty="0" err="1"/>
               <a:t>Goski</a:t>
             </a:r>
             <a:r>
-              <a:rPr lang="en-US" altLang="en-US" dirty="0"/>
+              <a:rPr lang="en-US" altLang="en-US" sz="1800" dirty="0"/>
               <a:t>, Paul </a:t>
             </a:r>
             <a:r>
-              <a:rPr lang="en-US" altLang="en-US" dirty="0" err="1" smtClean="0"/>
+              <a:rPr lang="en-US" altLang="en-US" sz="1800" dirty="0" err="1"/>
               <a:t>Wangwe</a:t>
             </a:r>
-            <a:endParaRPr lang="en-US" altLang="en-US" dirty="0" smtClean="0"/>
-          </a:p>
-          <a:p>
-            <a:r>
-              <a:rPr lang="en-US" altLang="en-US" dirty="0" smtClean="0"/>
+            <a:endParaRPr lang="en-US" altLang="en-US" sz="1800" dirty="0"/>
+          </a:p>
+          <a:p>
+            <a:r>
+              <a:rPr lang="en-US" altLang="en-US" sz="1800" dirty="0"/>
               <a:t>December 2</a:t>
             </a:r>
             <a:r>
-              <a:rPr lang="en-US" altLang="en-US" baseline="30000" dirty="0" smtClean="0"/>
+              <a:rPr lang="en-US" altLang="en-US" sz="1800" baseline="30000" dirty="0"/>
               <a:t>nd</a:t>
             </a:r>
             <a:r>
-              <a:rPr lang="en-US" altLang="en-US" dirty="0" smtClean="0"/>
+              <a:rPr lang="en-US" altLang="en-US" sz="1800" dirty="0"/>
               <a:t>, 2019</a:t>
             </a:r>
-            <a:endParaRPr lang="en-CA" altLang="en-US" dirty="0" smtClean="0"/>
+            <a:endParaRPr lang="en-CA" altLang="en-US" sz="1800" dirty="0"/>
           </a:p>
         </p:txBody>
       </p:sp>
@@ -6461,13 +6410,467 @@
   <p:clrMapOvr>
     <a:masterClrMapping/>
   </p:clrMapOvr>
-  <p:timing>
-    <p:tnLst>
-      <p:par>
-        <p:cTn id="1" dur="indefinite" restart="never" nodeType="tmRoot"/>
-      </p:par>
-    </p:tnLst>
-  </p:timing>
+</p:sld>
+</file>
+
+<file path=ppt/slides/slide10.xml><?xml version="1.0" encoding="utf-8"?>
+<p:sld xmlns:a="http://schemas.openxmlformats.org/drawingml/2006/main" xmlns:r="http://schemas.openxmlformats.org/officeDocument/2006/relationships" xmlns:p="http://schemas.openxmlformats.org/presentationml/2006/main">
+  <p:cSld>
+    <p:spTree>
+      <p:nvGrpSpPr>
+        <p:cNvPr id="1" name=""/>
+        <p:cNvGrpSpPr/>
+        <p:nvPr/>
+      </p:nvGrpSpPr>
+      <p:grpSpPr>
+        <a:xfrm>
+          <a:off x="0" y="0"/>
+          <a:ext cx="0" cy="0"/>
+          <a:chOff x="0" y="0"/>
+          <a:chExt cx="0" cy="0"/>
+        </a:xfrm>
+      </p:grpSpPr>
+      <p:sp>
+        <p:nvSpPr>
+          <p:cNvPr id="6146" name="Title 1"/>
+          <p:cNvSpPr>
+            <a:spLocks noGrp="1" noChangeArrowheads="1"/>
+          </p:cNvSpPr>
+          <p:nvPr>
+            <p:ph type="title"/>
+          </p:nvPr>
+        </p:nvSpPr>
+        <p:spPr/>
+        <p:txBody>
+          <a:bodyPr/>
+          <a:lstStyle/>
+          <a:p>
+            <a:r>
+              <a:rPr lang="en-US" altLang="en-US"/>
+              <a:t>Feelings, future MVPs &amp; GitHub</a:t>
+            </a:r>
+            <a:endParaRPr lang="en-CA" altLang="en-US"/>
+          </a:p>
+        </p:txBody>
+      </p:sp>
+      <p:sp>
+        <p:nvSpPr>
+          <p:cNvPr id="5123" name="Content Placeholder 2"/>
+          <p:cNvSpPr>
+            <a:spLocks noGrp="1" noChangeArrowheads="1"/>
+          </p:cNvSpPr>
+          <p:nvPr>
+            <p:ph idx="1"/>
+          </p:nvPr>
+        </p:nvSpPr>
+        <p:spPr/>
+        <p:txBody>
+          <a:bodyPr>
+            <a:normAutofit/>
+          </a:bodyPr>
+          <a:lstStyle/>
+          <a:p>
+            <a:pPr>
+              <a:defRPr/>
+            </a:pPr>
+            <a:r>
+              <a:rPr lang="en-US" altLang="en-US" dirty="0"/>
+              <a:t>Discuss what your team envisioned for potential next MVPs</a:t>
+            </a:r>
+          </a:p>
+          <a:p>
+            <a:pPr lvl="1">
+              <a:defRPr/>
+            </a:pPr>
+            <a:r>
+              <a:rPr lang="en-US" altLang="en-US" dirty="0"/>
+              <a:t>Change Design/CSS</a:t>
+            </a:r>
+          </a:p>
+          <a:p>
+            <a:pPr lvl="1">
+              <a:defRPr/>
+            </a:pPr>
+            <a:r>
+              <a:rPr lang="en-US" altLang="en-US" dirty="0"/>
+              <a:t>Let users edit their profile information</a:t>
+            </a:r>
+          </a:p>
+          <a:p>
+            <a:pPr lvl="1">
+              <a:defRPr/>
+            </a:pPr>
+            <a:r>
+              <a:rPr lang="en-US" altLang="en-US" dirty="0"/>
+              <a:t>Implement a type of chat so users can talk between them.</a:t>
+            </a:r>
+          </a:p>
+          <a:p>
+            <a:pPr>
+              <a:defRPr/>
+            </a:pPr>
+            <a:r>
+              <a:rPr lang="en-US" altLang="en-US" dirty="0"/>
+              <a:t>Review your team’s GitHub</a:t>
+            </a:r>
+          </a:p>
+          <a:p>
+            <a:pPr lvl="1">
+              <a:defRPr/>
+            </a:pPr>
+            <a:r>
+              <a:rPr lang="en-US" altLang="en-US" dirty="0" err="1"/>
+              <a:t>Github</a:t>
+            </a:r>
+            <a:r>
+              <a:rPr lang="en-US" altLang="en-US" dirty="0"/>
+              <a:t> link: </a:t>
+            </a:r>
+            <a:r>
+              <a:rPr lang="es-MX" dirty="0">
+                <a:hlinkClick r:id="rId2"/>
+              </a:rPr>
+              <a:t>https://github.com/alpacamusical/Project-ENSE-374</a:t>
+            </a:r>
+            <a:endParaRPr lang="es-MX" dirty="0"/>
+          </a:p>
+          <a:p>
+            <a:pPr lvl="1">
+              <a:defRPr/>
+            </a:pPr>
+            <a:r>
+              <a:rPr lang="es-MX" altLang="en-US" dirty="0" err="1"/>
+              <a:t>Our</a:t>
+            </a:r>
+            <a:r>
+              <a:rPr lang="es-MX" altLang="en-US" dirty="0"/>
+              <a:t> </a:t>
+            </a:r>
+            <a:r>
+              <a:rPr lang="es-MX" altLang="en-US" dirty="0" err="1"/>
+              <a:t>github</a:t>
+            </a:r>
+            <a:r>
+              <a:rPr lang="es-MX" altLang="en-US" dirty="0"/>
+              <a:t> </a:t>
+            </a:r>
+            <a:r>
+              <a:rPr lang="es-MX" altLang="en-US" dirty="0" err="1"/>
+              <a:t>is</a:t>
+            </a:r>
+            <a:r>
+              <a:rPr lang="es-MX" altLang="en-US" dirty="0"/>
+              <a:t> </a:t>
+            </a:r>
+            <a:r>
+              <a:rPr lang="es-MX" altLang="en-US" dirty="0" err="1"/>
+              <a:t>clean</a:t>
+            </a:r>
+            <a:r>
+              <a:rPr lang="es-MX" altLang="en-US" dirty="0"/>
+              <a:t> and </a:t>
+            </a:r>
+            <a:r>
+              <a:rPr lang="es-MX" altLang="en-US" dirty="0" err="1"/>
+              <a:t>concise</a:t>
+            </a:r>
+            <a:r>
+              <a:rPr lang="es-MX" altLang="en-US" dirty="0"/>
+              <a:t>. </a:t>
+            </a:r>
+            <a:r>
+              <a:rPr lang="es-MX" altLang="en-US" dirty="0" err="1"/>
+              <a:t>It</a:t>
+            </a:r>
+            <a:r>
+              <a:rPr lang="es-MX" altLang="en-US" dirty="0"/>
+              <a:t> has a </a:t>
+            </a:r>
+            <a:r>
+              <a:rPr lang="es-MX" altLang="en-US" dirty="0" err="1"/>
+              <a:t>limited</a:t>
+            </a:r>
+            <a:r>
+              <a:rPr lang="es-MX" altLang="en-US" dirty="0"/>
+              <a:t> </a:t>
+            </a:r>
+            <a:r>
+              <a:rPr lang="es-MX" altLang="en-US" dirty="0" err="1"/>
+              <a:t>structure</a:t>
+            </a:r>
+            <a:r>
+              <a:rPr lang="es-MX" altLang="en-US" dirty="0"/>
+              <a:t> </a:t>
+            </a:r>
+            <a:r>
+              <a:rPr lang="es-MX" altLang="en-US" dirty="0" err="1"/>
+              <a:t>but</a:t>
+            </a:r>
+            <a:r>
+              <a:rPr lang="es-MX" altLang="en-US" dirty="0"/>
+              <a:t> </a:t>
+            </a:r>
+            <a:r>
+              <a:rPr lang="es-MX" altLang="en-US" dirty="0" err="1"/>
+              <a:t>this</a:t>
+            </a:r>
+            <a:r>
+              <a:rPr lang="es-MX" altLang="en-US" dirty="0"/>
+              <a:t> </a:t>
+            </a:r>
+            <a:r>
+              <a:rPr lang="es-MX" altLang="en-US" dirty="0" err="1"/>
+              <a:t>allows</a:t>
+            </a:r>
+            <a:r>
+              <a:rPr lang="es-MX" altLang="en-US" dirty="0"/>
+              <a:t> </a:t>
+            </a:r>
+            <a:r>
+              <a:rPr lang="es-MX" altLang="en-US" dirty="0" err="1"/>
+              <a:t>it</a:t>
+            </a:r>
+            <a:r>
+              <a:rPr lang="es-MX" altLang="en-US" dirty="0"/>
+              <a:t> </a:t>
+            </a:r>
+            <a:r>
+              <a:rPr lang="es-MX" altLang="en-US" dirty="0" err="1"/>
+              <a:t>to</a:t>
+            </a:r>
+            <a:r>
+              <a:rPr lang="es-MX" altLang="en-US" dirty="0"/>
+              <a:t> be </a:t>
+            </a:r>
+            <a:r>
+              <a:rPr lang="es-MX" altLang="en-US" dirty="0" err="1"/>
+              <a:t>easily</a:t>
+            </a:r>
+            <a:r>
+              <a:rPr lang="es-MX" altLang="en-US" dirty="0"/>
+              <a:t> </a:t>
+            </a:r>
+            <a:r>
+              <a:rPr lang="es-MX" altLang="en-US" dirty="0" err="1"/>
+              <a:t>navigated</a:t>
+            </a:r>
+            <a:r>
+              <a:rPr lang="es-MX" altLang="en-US" dirty="0"/>
+              <a:t>.</a:t>
+            </a:r>
+          </a:p>
+        </p:txBody>
+      </p:sp>
+    </p:spTree>
+    <p:extLst>
+      <p:ext uri="{BB962C8B-B14F-4D97-AF65-F5344CB8AC3E}">
+        <p14:creationId xmlns:p14="http://schemas.microsoft.com/office/powerpoint/2010/main" val="1624421090"/>
+      </p:ext>
+    </p:extLst>
+  </p:cSld>
+  <p:clrMapOvr>
+    <a:masterClrMapping/>
+  </p:clrMapOvr>
+</p:sld>
+</file>
+
+<file path=ppt/slides/slide11.xml><?xml version="1.0" encoding="utf-8"?>
+<p:sld xmlns:a="http://schemas.openxmlformats.org/drawingml/2006/main" xmlns:r="http://schemas.openxmlformats.org/officeDocument/2006/relationships" xmlns:p="http://schemas.openxmlformats.org/presentationml/2006/main">
+  <p:cSld>
+    <p:spTree>
+      <p:nvGrpSpPr>
+        <p:cNvPr id="1" name=""/>
+        <p:cNvGrpSpPr/>
+        <p:nvPr/>
+      </p:nvGrpSpPr>
+      <p:grpSpPr>
+        <a:xfrm>
+          <a:off x="0" y="0"/>
+          <a:ext cx="0" cy="0"/>
+          <a:chOff x="0" y="0"/>
+          <a:chExt cx="0" cy="0"/>
+        </a:xfrm>
+      </p:grpSpPr>
+      <p:sp>
+        <p:nvSpPr>
+          <p:cNvPr id="8194" name="Title 1"/>
+          <p:cNvSpPr>
+            <a:spLocks noGrp="1" noChangeArrowheads="1"/>
+          </p:cNvSpPr>
+          <p:nvPr>
+            <p:ph type="title"/>
+          </p:nvPr>
+        </p:nvSpPr>
+        <p:spPr/>
+        <p:txBody>
+          <a:bodyPr/>
+          <a:lstStyle/>
+          <a:p>
+            <a:pPr eaLnBrk="1" hangingPunct="1"/>
+            <a:r>
+              <a:rPr lang="en-US" altLang="en-US" dirty="0"/>
+              <a:t>Group reflection</a:t>
+            </a:r>
+            <a:endParaRPr lang="en-CA" altLang="en-US" dirty="0"/>
+          </a:p>
+        </p:txBody>
+      </p:sp>
+      <p:sp>
+        <p:nvSpPr>
+          <p:cNvPr id="3" name="Content Placeholder 2"/>
+          <p:cNvSpPr>
+            <a:spLocks noGrp="1"/>
+          </p:cNvSpPr>
+          <p:nvPr>
+            <p:ph idx="1"/>
+          </p:nvPr>
+        </p:nvSpPr>
+        <p:spPr/>
+        <p:txBody>
+          <a:bodyPr rtlCol="0">
+            <a:normAutofit fontScale="92500" lnSpcReduction="20000"/>
+          </a:bodyPr>
+          <a:lstStyle/>
+          <a:p>
+            <a:pPr eaLnBrk="1" fontAlgn="auto" hangingPunct="1">
+              <a:spcAft>
+                <a:spcPts val="0"/>
+              </a:spcAft>
+              <a:defRPr/>
+            </a:pPr>
+            <a:r>
+              <a:rPr lang="en-US" dirty="0"/>
+              <a:t>How did you feel about this </a:t>
+            </a:r>
+            <a:r>
+              <a:rPr lang="en-US" u="sng" dirty="0">
+                <a:solidFill>
+                  <a:srgbClr val="FF0000"/>
+                </a:solidFill>
+              </a:rPr>
+              <a:t>project</a:t>
+            </a:r>
+            <a:r>
+              <a:rPr lang="en-US" dirty="0"/>
+              <a:t>? What did you like about it? What did you dislike?</a:t>
+            </a:r>
+          </a:p>
+          <a:p>
+            <a:pPr lvl="1" eaLnBrk="1" fontAlgn="auto" hangingPunct="1">
+              <a:spcAft>
+                <a:spcPts val="0"/>
+              </a:spcAft>
+              <a:defRPr/>
+            </a:pPr>
+            <a:r>
+              <a:rPr lang="en-US" dirty="0"/>
+              <a:t>We learned our weaknesses and strengths, at first it was difficult to decide which tools to use or on what tasks people should tackle first.</a:t>
+            </a:r>
+          </a:p>
+          <a:p>
+            <a:pPr eaLnBrk="1" fontAlgn="auto" hangingPunct="1">
+              <a:spcAft>
+                <a:spcPts val="0"/>
+              </a:spcAft>
+              <a:defRPr/>
+            </a:pPr>
+            <a:r>
+              <a:rPr lang="en-US" dirty="0"/>
+              <a:t>What did you learn about yourself as you collaborated and worked through this </a:t>
+            </a:r>
+            <a:r>
+              <a:rPr lang="en-US" u="sng" dirty="0">
+                <a:solidFill>
+                  <a:srgbClr val="FF0000"/>
+                </a:solidFill>
+              </a:rPr>
+              <a:t>project</a:t>
+            </a:r>
+            <a:r>
+              <a:rPr lang="en-US" dirty="0"/>
+              <a:t>?</a:t>
+            </a:r>
+          </a:p>
+          <a:p>
+            <a:pPr lvl="1" eaLnBrk="1" fontAlgn="auto" hangingPunct="1">
+              <a:spcAft>
+                <a:spcPts val="0"/>
+              </a:spcAft>
+              <a:defRPr/>
+            </a:pPr>
+            <a:r>
+              <a:rPr lang="en-US" dirty="0"/>
+              <a:t>That we can get better results as teams rather than individuals.</a:t>
+            </a:r>
+          </a:p>
+          <a:p>
+            <a:pPr eaLnBrk="1" fontAlgn="auto" hangingPunct="1">
+              <a:spcAft>
+                <a:spcPts val="0"/>
+              </a:spcAft>
+              <a:defRPr/>
+            </a:pPr>
+            <a:r>
+              <a:rPr lang="en-US" dirty="0"/>
+              <a:t>How will you use what you have learned going forward?</a:t>
+            </a:r>
+          </a:p>
+          <a:p>
+            <a:pPr lvl="1" eaLnBrk="1" fontAlgn="auto" hangingPunct="1">
+              <a:spcAft>
+                <a:spcPts val="0"/>
+              </a:spcAft>
+              <a:defRPr/>
+            </a:pPr>
+            <a:r>
+              <a:rPr lang="en-US" dirty="0"/>
+              <a:t>On future projects we will make things right, instead of jumping right into coding we will analyze requirements and design so we can avoid errors.</a:t>
+            </a:r>
+          </a:p>
+          <a:p>
+            <a:pPr eaLnBrk="1" fontAlgn="auto" hangingPunct="1">
+              <a:spcAft>
+                <a:spcPts val="0"/>
+              </a:spcAft>
+              <a:defRPr/>
+            </a:pPr>
+            <a:r>
+              <a:rPr lang="en-US" dirty="0"/>
+              <a:t>What “stuff &amp; things” related to this </a:t>
+            </a:r>
+            <a:r>
+              <a:rPr lang="en-US" u="sng" dirty="0">
+                <a:solidFill>
+                  <a:srgbClr val="FF0000"/>
+                </a:solidFill>
+              </a:rPr>
+              <a:t>project</a:t>
+            </a:r>
+            <a:r>
+              <a:rPr lang="en-US" dirty="0"/>
+              <a:t> would you want help with? – Could have been better?</a:t>
+            </a:r>
+          </a:p>
+          <a:p>
+            <a:pPr lvl="1" eaLnBrk="1" fontAlgn="auto" hangingPunct="1">
+              <a:spcAft>
+                <a:spcPts val="0"/>
+              </a:spcAft>
+              <a:defRPr/>
+            </a:pPr>
+            <a:r>
+              <a:rPr lang="en-US" dirty="0"/>
+              <a:t>JavaScript/AJAX and some PHP nuances.</a:t>
+            </a:r>
+            <a:endParaRPr lang="en-CA" dirty="0"/>
+          </a:p>
+        </p:txBody>
+      </p:sp>
+    </p:spTree>
+  </p:cSld>
+  <p:clrMapOvr>
+    <a:masterClrMapping/>
+  </p:clrMapOvr>
 </p:sld>
 </file>
 
@@ -6498,16 +6901,21 @@
             <p:ph type="title"/>
           </p:nvPr>
         </p:nvSpPr>
-        <p:spPr/>
+        <p:spPr>
+          <a:xfrm>
+            <a:off x="3002132" y="336430"/>
+            <a:ext cx="8610600" cy="1293028"/>
+          </a:xfrm>
+        </p:spPr>
         <p:txBody>
           <a:bodyPr/>
           <a:lstStyle/>
           <a:p>
             <a:r>
-              <a:rPr lang="en-US" altLang="en-US" dirty="0" smtClean="0"/>
+              <a:rPr lang="en-US" altLang="en-US" dirty="0"/>
               <a:t>Our project vision</a:t>
             </a:r>
-            <a:endParaRPr lang="en-CA" altLang="en-US" dirty="0" smtClean="0"/>
+            <a:endParaRPr lang="en-CA" altLang="en-US" dirty="0"/>
           </a:p>
         </p:txBody>
       </p:sp>
@@ -6529,134 +6937,51 @@
         </p:spPr>
         <p:txBody>
           <a:bodyPr>
-            <a:normAutofit fontScale="85000" lnSpcReduction="20000"/>
+            <a:normAutofit/>
           </a:bodyPr>
           <a:lstStyle/>
           <a:p>
             <a:r>
-              <a:rPr lang="en-US" altLang="en-US" dirty="0" smtClean="0"/>
-              <a:t>What is your team’s Golden Circle</a:t>
+              <a:rPr lang="en-US" altLang="en-US" sz="2800" b="1" dirty="0"/>
+              <a:t>The “Golden Circle”</a:t>
             </a:r>
           </a:p>
           <a:p>
             <a:pPr lvl="1"/>
             <a:r>
-              <a:rPr lang="en-US" altLang="en-US" dirty="0" smtClean="0"/>
-              <a:t>Why – To make it simpler and easier to review/find new movies.</a:t>
+              <a:rPr lang="en-US" altLang="en-US" sz="2800" b="1" dirty="0"/>
+              <a:t>Why</a:t>
+            </a:r>
+            <a:r>
+              <a:rPr lang="en-US" altLang="en-US" sz="2800" dirty="0"/>
+              <a:t> – To make it simpler and easier to review/find new movies.</a:t>
             </a:r>
           </a:p>
           <a:p>
             <a:pPr lvl="1"/>
             <a:r>
-              <a:rPr lang="en-US" altLang="en-US" dirty="0" smtClean="0"/>
-              <a:t>How – With our development team and resources from the U of R</a:t>
+              <a:rPr lang="en-US" altLang="en-US" sz="2800" b="1" dirty="0"/>
+              <a:t>How</a:t>
+            </a:r>
+            <a:r>
+              <a:rPr lang="en-US" altLang="en-US" sz="2800" dirty="0"/>
+              <a:t> – With our team </a:t>
             </a:r>
           </a:p>
           <a:p>
             <a:pPr lvl="1"/>
             <a:r>
-              <a:rPr lang="en-US" altLang="en-US" dirty="0" smtClean="0"/>
-              <a:t>What – A website to review movies</a:t>
-            </a:r>
-          </a:p>
-          <a:p>
-            <a:r>
-              <a:rPr lang="en-US" altLang="en-US" dirty="0" smtClean="0"/>
-              <a:t>Review </a:t>
-            </a:r>
-            <a:r>
-              <a:rPr lang="en-US" altLang="en-US" dirty="0" smtClean="0"/>
-              <a:t>the “deep dive”</a:t>
+              <a:rPr lang="en-US" altLang="en-US" sz="2800" b="1" dirty="0"/>
+              <a:t>What</a:t>
+            </a:r>
+            <a:r>
+              <a:rPr lang="en-US" altLang="en-US" sz="2800" dirty="0"/>
+              <a:t> – A website to review movies</a:t>
             </a:r>
           </a:p>
           <a:p>
             <a:pPr lvl="1"/>
-            <a:r>
-              <a:rPr lang="en-US" altLang="en-US" dirty="0" smtClean="0"/>
-              <a:t>What exactly are you doing</a:t>
-            </a:r>
-            <a:r>
-              <a:rPr lang="en-US" altLang="en-US" dirty="0" smtClean="0"/>
-              <a:t>?</a:t>
-            </a:r>
-          </a:p>
-          <a:p>
-            <a:pPr marL="914400" lvl="2" indent="0">
-              <a:buNone/>
-            </a:pPr>
-            <a:r>
-              <a:rPr lang="en-US" altLang="en-US" dirty="0" smtClean="0"/>
-              <a:t>A user friendly website that allows users to look for reviews as well as write them and even vote for the best one in order to filter them.</a:t>
-            </a:r>
-            <a:endParaRPr lang="en-US" altLang="en-US" dirty="0" smtClean="0"/>
-          </a:p>
-          <a:p>
-            <a:pPr lvl="1"/>
-            <a:r>
-              <a:rPr lang="en-US" altLang="en-US" dirty="0" smtClean="0"/>
-              <a:t>What gap are you trying to fill</a:t>
-            </a:r>
-            <a:r>
-              <a:rPr lang="en-US" altLang="en-US" dirty="0" smtClean="0"/>
-              <a:t>?</a:t>
-            </a:r>
-          </a:p>
-          <a:p>
-            <a:pPr marL="914400" lvl="2" indent="0">
-              <a:buNone/>
-            </a:pPr>
-            <a:r>
-              <a:rPr lang="en-US" altLang="en-US" dirty="0" smtClean="0"/>
-              <a:t>There are a lot of movie review websites out there, the main difference with ours is that we are only showing relevant information.</a:t>
-            </a:r>
-            <a:endParaRPr lang="en-US" altLang="en-US" dirty="0" smtClean="0"/>
-          </a:p>
-          <a:p>
-            <a:pPr lvl="1"/>
-            <a:r>
-              <a:rPr lang="en-US" altLang="en-US" dirty="0" smtClean="0"/>
-              <a:t>Discuss from your team’s</a:t>
-            </a:r>
-          </a:p>
-          <a:p>
-            <a:pPr lvl="2" eaLnBrk="1" hangingPunct="1"/>
-            <a:r>
-              <a:rPr lang="en-US" altLang="en-US" dirty="0" smtClean="0"/>
-              <a:t>Project </a:t>
-            </a:r>
-            <a:r>
-              <a:rPr lang="en-US" altLang="en-US" dirty="0" smtClean="0"/>
-              <a:t>vision:  A website</a:t>
-            </a:r>
-          </a:p>
-          <a:p>
-            <a:pPr lvl="2" eaLnBrk="1" hangingPunct="1"/>
-            <a:r>
-              <a:rPr lang="en-US" altLang="en-US" dirty="0" smtClean="0"/>
-              <a:t>Rationale:  Current movie review options shows  irrelevant information with their designs,</a:t>
-            </a:r>
-          </a:p>
-          <a:p>
-            <a:pPr lvl="2" eaLnBrk="1" hangingPunct="1"/>
-            <a:r>
-              <a:rPr lang="en-US" altLang="en-US" dirty="0" smtClean="0"/>
-              <a:t>Stakeholders: Users who just want to see reviews when they are looking for a movie to watch</a:t>
-            </a:r>
-          </a:p>
-          <a:p>
-            <a:pPr lvl="2" eaLnBrk="1" hangingPunct="1"/>
-            <a:r>
-              <a:rPr lang="en-US" altLang="en-US" dirty="0" smtClean="0"/>
-              <a:t>Assumptions: Out website has the latest movies in its database where you can visualize reviews.</a:t>
-            </a:r>
-          </a:p>
-          <a:p>
-            <a:pPr lvl="2" eaLnBrk="1" hangingPunct="1"/>
-            <a:r>
-              <a:rPr lang="en-US" altLang="en-US" dirty="0" smtClean="0"/>
-              <a:t>Constraints: Time</a:t>
-            </a:r>
-            <a:endParaRPr lang="en-US" altLang="en-US" dirty="0" smtClean="0"/>
+            <a:endParaRPr lang="en-US" altLang="en-US" dirty="0"/>
           </a:p>
         </p:txBody>
       </p:sp>
@@ -6665,6 +6990,18 @@
   <p:clrMapOvr>
     <a:masterClrMapping/>
   </p:clrMapOvr>
+  <mc:AlternateContent xmlns:mc="http://schemas.openxmlformats.org/markup-compatibility/2006">
+    <mc:Choice xmlns:p14="http://schemas.microsoft.com/office/powerpoint/2010/main" Requires="p14">
+      <p:transition spd="med" p14:dur="700">
+        <p:fade/>
+      </p:transition>
+    </mc:Choice>
+    <mc:Fallback>
+      <p:transition spd="med">
+        <p:fade/>
+      </p:transition>
+    </mc:Fallback>
+  </mc:AlternateContent>
 </p:sld>
 </file>
 
@@ -6687,9 +7024,15 @@
       </p:grpSpPr>
       <p:sp>
         <p:nvSpPr>
-          <p:cNvPr id="4098" name="Title 1"/>
-          <p:cNvSpPr>
-            <a:spLocks noGrp="1" noChangeArrowheads="1"/>
+          <p:cNvPr id="2" name="Title 1">
+            <a:extLst>
+              <a:ext uri="{FF2B5EF4-FFF2-40B4-BE49-F238E27FC236}">
+                <a16:creationId xmlns:a16="http://schemas.microsoft.com/office/drawing/2014/main" id="{CD6EDB56-9F3F-4A94-9A55-546BF4B6426A}"/>
+              </a:ext>
+            </a:extLst>
+          </p:cNvPr>
+          <p:cNvSpPr>
+            <a:spLocks noGrp="1"/>
           </p:cNvSpPr>
           <p:nvPr>
             <p:ph type="title"/>
@@ -6701,18 +7044,24 @@
           <a:lstStyle/>
           <a:p>
             <a:r>
-              <a:rPr lang="en-US" altLang="es-MX" smtClean="0"/>
-              <a:t>Team work/responsibilities</a:t>
-            </a:r>
-            <a:endParaRPr lang="en-CA" altLang="es-MX" smtClean="0"/>
-          </a:p>
-        </p:txBody>
-      </p:sp>
-      <p:sp>
-        <p:nvSpPr>
-          <p:cNvPr id="4099" name="Content Placeholder 2"/>
-          <p:cNvSpPr>
-            <a:spLocks noGrp="1" noChangeArrowheads="1"/>
+              <a:rPr lang="en-US" altLang="en-US" dirty="0"/>
+              <a:t>Our project vision</a:t>
+            </a:r>
+            <a:endParaRPr lang="en-CA" dirty="0"/>
+          </a:p>
+        </p:txBody>
+      </p:sp>
+      <p:sp>
+        <p:nvSpPr>
+          <p:cNvPr id="3" name="Content Placeholder 2">
+            <a:extLst>
+              <a:ext uri="{FF2B5EF4-FFF2-40B4-BE49-F238E27FC236}">
+                <a16:creationId xmlns:a16="http://schemas.microsoft.com/office/drawing/2014/main" id="{01AEC9D4-4D55-48C2-A64B-FECBCDF1C31B}"/>
+              </a:ext>
+            </a:extLst>
+          </p:cNvPr>
+          <p:cNvSpPr>
+            <a:spLocks noGrp="1"/>
           </p:cNvSpPr>
           <p:nvPr>
             <p:ph idx="1"/>
@@ -6720,63 +7069,120 @@
         </p:nvSpPr>
         <p:spPr/>
         <p:txBody>
-          <a:bodyPr/>
+          <a:bodyPr>
+            <a:normAutofit fontScale="92500" lnSpcReduction="20000"/>
+          </a:bodyPr>
           <a:lstStyle/>
           <a:p>
-            <a:pPr eaLnBrk="1" hangingPunct="1"/>
-            <a:r>
-              <a:rPr lang="en-US" altLang="en-US" dirty="0" smtClean="0"/>
-              <a:t>Discuss team member responsibilities throughout the project</a:t>
-            </a:r>
-          </a:p>
-          <a:p>
-            <a:pPr lvl="1" eaLnBrk="1" hangingPunct="1"/>
-            <a:r>
-              <a:rPr lang="en-US" altLang="en-US" dirty="0" smtClean="0"/>
-              <a:t>All of our team members work basically on everything</a:t>
-            </a:r>
-            <a:endParaRPr lang="en-US" altLang="en-US" dirty="0" smtClean="0"/>
-          </a:p>
-          <a:p>
-            <a:pPr lvl="1" eaLnBrk="1" hangingPunct="1"/>
-            <a:r>
-              <a:rPr lang="en-US" altLang="en-US" dirty="0" smtClean="0"/>
-              <a:t>We divide the work in two processes:</a:t>
+            <a:pPr lvl="1"/>
+            <a:r>
+              <a:rPr lang="en-US" altLang="en-US" dirty="0"/>
+              <a:t>What exactly are you doing?</a:t>
+            </a:r>
+          </a:p>
+          <a:p>
+            <a:pPr marL="914400" lvl="2" indent="0">
+              <a:buNone/>
+            </a:pPr>
+            <a:r>
+              <a:rPr lang="en-US" altLang="en-US" dirty="0"/>
+              <a:t>A user friendly website that allows users to look for reviews as well as write them and even vote for the best one in order to filter them.</a:t>
+            </a:r>
+          </a:p>
+          <a:p>
+            <a:pPr lvl="1"/>
+            <a:r>
+              <a:rPr lang="en-US" altLang="en-US" dirty="0"/>
+              <a:t>What gap are you trying to fill?</a:t>
+            </a:r>
+          </a:p>
+          <a:p>
+            <a:pPr marL="914400" lvl="2" indent="0">
+              <a:buNone/>
+            </a:pPr>
+            <a:r>
+              <a:rPr lang="en-US" altLang="en-US" dirty="0"/>
+              <a:t>There are a lot of movie review websites out there, the main difference with ours is that we are only showing relevant information.</a:t>
             </a:r>
           </a:p>
           <a:p>
             <a:pPr lvl="2"/>
-            <a:r>
-              <a:rPr lang="en-US" altLang="en-US" dirty="0" smtClean="0"/>
-              <a:t>Developing</a:t>
-            </a:r>
+            <a:endParaRPr lang="en-US" altLang="en-US" dirty="0"/>
           </a:p>
           <a:p>
             <a:pPr lvl="2"/>
             <a:r>
-              <a:rPr lang="en-US" altLang="en-US" dirty="0" smtClean="0"/>
-              <a:t>Documentation</a:t>
-            </a:r>
-            <a:endParaRPr lang="en-US" altLang="en-US" dirty="0" smtClean="0"/>
-          </a:p>
-          <a:p>
-            <a:pPr lvl="1" eaLnBrk="1" hangingPunct="1"/>
-            <a:r>
-              <a:rPr lang="en-US" altLang="en-US" dirty="0" smtClean="0"/>
-              <a:t>On milestone 1 and 2 Kaden and Julio focused on the prototypes and the design whereas Paul worked on documentation</a:t>
-            </a:r>
-          </a:p>
-          <a:p>
-            <a:pPr lvl="1" eaLnBrk="1" hangingPunct="1"/>
-            <a:r>
-              <a:rPr lang="en-US" altLang="en-US" dirty="0" smtClean="0"/>
-              <a:t>On milestones 3 and 4 Kaden did most of the code. Julio and Paul would rotate between documentation and coding.</a:t>
-            </a:r>
-            <a:endParaRPr lang="en-US" altLang="en-US" dirty="0" smtClean="0"/>
+              <a:rPr lang="en-US" altLang="en-US" b="1" dirty="0"/>
+              <a:t>Project vision:  </a:t>
+            </a:r>
+            <a:r>
+              <a:rPr lang="en-US" altLang="en-US" dirty="0"/>
+              <a:t>A website</a:t>
+            </a:r>
+          </a:p>
+          <a:p>
+            <a:pPr lvl="2"/>
+            <a:r>
+              <a:rPr lang="en-US" altLang="en-US" b="1" dirty="0"/>
+              <a:t>Rationale:  </a:t>
+            </a:r>
+            <a:r>
+              <a:rPr lang="en-US" altLang="en-US" dirty="0"/>
+              <a:t>Current movie review options shows irrelevant/paparazzi(</a:t>
+            </a:r>
+            <a:r>
+              <a:rPr lang="en-US" altLang="en-US" dirty="0" err="1"/>
+              <a:t>ish</a:t>
+            </a:r>
+            <a:r>
+              <a:rPr lang="en-US" altLang="en-US" dirty="0"/>
+              <a:t>) information with their designs.</a:t>
+            </a:r>
+          </a:p>
+          <a:p>
+            <a:pPr lvl="2"/>
+            <a:r>
+              <a:rPr lang="en-US" altLang="en-US" b="1" dirty="0"/>
+              <a:t>Stakeholders: </a:t>
+            </a:r>
+            <a:r>
+              <a:rPr lang="en-US" altLang="en-US" dirty="0"/>
+              <a:t>Users who just want to see reviews when they are looking for a movie to watch</a:t>
+            </a:r>
+          </a:p>
+          <a:p>
+            <a:pPr lvl="2"/>
+            <a:r>
+              <a:rPr lang="en-US" altLang="en-US" b="1" dirty="0"/>
+              <a:t>Assumptions: </a:t>
+            </a:r>
+            <a:r>
+              <a:rPr lang="en-US" altLang="en-US" dirty="0"/>
+              <a:t>Our website has the latest movies in its database where you can visualize reviews.</a:t>
+            </a:r>
+          </a:p>
+          <a:p>
+            <a:pPr lvl="2"/>
+            <a:r>
+              <a:rPr lang="en-US" altLang="en-US" b="1" dirty="0"/>
+              <a:t>Constraints: </a:t>
+            </a:r>
+            <a:r>
+              <a:rPr lang="en-US" altLang="en-US" dirty="0"/>
+              <a:t>Time</a:t>
+            </a:r>
+          </a:p>
+          <a:p>
+            <a:endParaRPr lang="en-CA" dirty="0"/>
           </a:p>
         </p:txBody>
       </p:sp>
     </p:spTree>
+    <p:extLst>
+      <p:ext uri="{BB962C8B-B14F-4D97-AF65-F5344CB8AC3E}">
+        <p14:creationId xmlns:p14="http://schemas.microsoft.com/office/powerpoint/2010/main" val="3869268306"/>
+      </p:ext>
+    </p:extLst>
   </p:cSld>
   <p:clrMapOvr>
     <a:masterClrMapping/>
@@ -6803,7 +7209,7 @@
       </p:grpSpPr>
       <p:sp>
         <p:nvSpPr>
-          <p:cNvPr id="5122" name="Title 1"/>
+          <p:cNvPr id="4098" name="Title 1"/>
           <p:cNvSpPr>
             <a:spLocks noGrp="1" noChangeArrowheads="1"/>
           </p:cNvSpPr>
@@ -6816,18 +7222,17 @@
           <a:bodyPr/>
           <a:lstStyle/>
           <a:p>
-            <a:pPr eaLnBrk="1" hangingPunct="1"/>
-            <a:r>
-              <a:rPr lang="en-US" altLang="en-US" dirty="0" smtClean="0"/>
-              <a:t>MVP 2 demo</a:t>
-            </a:r>
-            <a:endParaRPr lang="en-CA" altLang="en-US" dirty="0" smtClean="0"/>
-          </a:p>
-        </p:txBody>
-      </p:sp>
-      <p:sp>
-        <p:nvSpPr>
-          <p:cNvPr id="5123" name="Content Placeholder 2"/>
+            <a:r>
+              <a:rPr lang="en-US" altLang="es-MX"/>
+              <a:t>Team work/responsibilities</a:t>
+            </a:r>
+            <a:endParaRPr lang="en-CA" altLang="es-MX"/>
+          </a:p>
+        </p:txBody>
+      </p:sp>
+      <p:sp>
+        <p:nvSpPr>
+          <p:cNvPr id="4099" name="Content Placeholder 2"/>
           <p:cNvSpPr>
             <a:spLocks noGrp="1" noChangeArrowheads="1"/>
           </p:cNvSpPr>
@@ -6835,118 +7240,58 @@
             <p:ph idx="1"/>
           </p:nvPr>
         </p:nvSpPr>
-        <p:spPr>
-          <a:xfrm>
-            <a:off x="0" y="2103718"/>
-            <a:ext cx="6194955" cy="4195481"/>
-          </a:xfrm>
-        </p:spPr>
+        <p:spPr/>
         <p:txBody>
           <a:bodyPr>
-            <a:normAutofit lnSpcReduction="10000"/>
+            <a:normAutofit/>
           </a:bodyPr>
           <a:lstStyle/>
           <a:p>
-            <a:endParaRPr lang="en-US" altLang="en-US" dirty="0" smtClean="0"/>
-          </a:p>
-          <a:p>
-            <a:r>
-              <a:rPr lang="en-US" altLang="en-US" dirty="0" smtClean="0"/>
-              <a:t>Describe why you feel it is a good MVP</a:t>
-            </a:r>
-          </a:p>
-          <a:p>
-            <a:pPr lvl="1"/>
-            <a:r>
-              <a:rPr lang="en-US" altLang="en-US" dirty="0" smtClean="0"/>
-              <a:t>What are things you really like</a:t>
-            </a:r>
-            <a:r>
-              <a:rPr lang="en-US" altLang="en-US" dirty="0" smtClean="0"/>
-              <a:t>?</a:t>
-            </a:r>
-          </a:p>
-          <a:p>
-            <a:pPr marL="914400" lvl="2" indent="0">
-              <a:buNone/>
-            </a:pPr>
-            <a:r>
-              <a:rPr lang="en-US" altLang="en-US" dirty="0" smtClean="0"/>
-              <a:t>Our greatest feature is its functionality, users can sign up, log in, write reviews and rate them. </a:t>
-            </a:r>
-            <a:endParaRPr lang="en-US" altLang="en-US" dirty="0" smtClean="0"/>
-          </a:p>
-          <a:p>
-            <a:pPr lvl="1"/>
-            <a:r>
-              <a:rPr lang="en-US" altLang="en-US" dirty="0" smtClean="0"/>
-              <a:t>What are things you think might need some tinkering</a:t>
-            </a:r>
-            <a:r>
-              <a:rPr lang="en-US" altLang="en-US" dirty="0" smtClean="0"/>
-              <a:t>?</a:t>
-            </a:r>
-          </a:p>
-          <a:p>
-            <a:pPr marL="914400" lvl="2" indent="0">
-              <a:buNone/>
-            </a:pPr>
-            <a:r>
-              <a:rPr lang="en-US" altLang="en-US" dirty="0" smtClean="0"/>
-              <a:t>Definitely design</a:t>
-            </a:r>
-          </a:p>
-          <a:p>
-            <a:pPr lvl="1"/>
-            <a:r>
-              <a:rPr lang="en-US" altLang="en-US" dirty="0" smtClean="0"/>
-              <a:t>MVP 1 and MVP 2</a:t>
-            </a:r>
-          </a:p>
-          <a:p>
-            <a:pPr marL="914400" lvl="2" indent="0">
-              <a:buNone/>
-            </a:pPr>
-            <a:r>
-              <a:rPr lang="en-US" altLang="en-US" dirty="0" smtClean="0"/>
-              <a:t>In MVP 1 only the login and sign up functionalities were working</a:t>
-            </a:r>
-          </a:p>
-          <a:p>
-            <a:pPr marL="914400" lvl="2" indent="0">
-              <a:buNone/>
-            </a:pPr>
-            <a:r>
-              <a:rPr lang="en-US" altLang="en-US" dirty="0" smtClean="0"/>
-              <a:t>In MVP 2 users are able to write reviews and rate them.</a:t>
-            </a:r>
-            <a:endParaRPr lang="en-CA" altLang="en-US" dirty="0" smtClean="0"/>
-          </a:p>
-        </p:txBody>
-      </p:sp>
-      <p:pic>
-        <p:nvPicPr>
-          <p:cNvPr id="2" name="Picture 1"/>
-          <p:cNvPicPr>
-            <a:picLocks noChangeAspect="1"/>
-          </p:cNvPicPr>
-          <p:nvPr/>
-        </p:nvPicPr>
-        <p:blipFill rotWithShape="1">
-          <a:blip r:embed="rId2"/>
-          <a:srcRect l="148" t="12486" r="2574" b="107"/>
-          <a:stretch/>
-        </p:blipFill>
-        <p:spPr>
-          <a:xfrm>
-            <a:off x="5924022" y="2476251"/>
-            <a:ext cx="5980659" cy="3022777"/>
-          </a:xfrm>
-          <a:prstGeom prst="rect">
-            <a:avLst/>
-          </a:prstGeom>
-        </p:spPr>
-      </p:pic>
+            <a:pPr marL="457200" lvl="1" indent="0" eaLnBrk="1" hangingPunct="1">
+              <a:buNone/>
+            </a:pPr>
+            <a:r>
+              <a:rPr lang="en-US" altLang="en-US" dirty="0"/>
+              <a:t>All of our team members did a bit of everything.</a:t>
+            </a:r>
+          </a:p>
+          <a:p>
+            <a:pPr lvl="1" eaLnBrk="1" hangingPunct="1"/>
+            <a:r>
+              <a:rPr lang="en-US" altLang="en-US" dirty="0"/>
+              <a:t>We divided the work in two processes:</a:t>
+            </a:r>
+          </a:p>
+          <a:p>
+            <a:pPr lvl="2"/>
+            <a:r>
+              <a:rPr lang="en-US" altLang="en-US" dirty="0"/>
+              <a:t>Developing/Coding</a:t>
+            </a:r>
+          </a:p>
+          <a:p>
+            <a:pPr lvl="2"/>
+            <a:r>
+              <a:rPr lang="en-US" altLang="en-US" dirty="0"/>
+              <a:t>Documentation</a:t>
+            </a:r>
+          </a:p>
+          <a:p>
+            <a:pPr lvl="1" eaLnBrk="1" hangingPunct="1"/>
+            <a:r>
+              <a:rPr lang="en-US" altLang="en-US" dirty="0"/>
+              <a:t>On milestone 1 and 2, Kaden and Julio focused on the prototypes and the design, whereas Paul worked on documentation.</a:t>
+            </a:r>
+          </a:p>
+          <a:p>
+            <a:pPr lvl="1" eaLnBrk="1" hangingPunct="1"/>
+            <a:r>
+              <a:rPr lang="en-US" altLang="en-US" dirty="0"/>
+              <a:t>On milestones 3 and 4, Kaden did the majority of the coding. Julio and Paul would rotate between documentation and coding.</a:t>
+            </a:r>
+          </a:p>
+        </p:txBody>
+      </p:sp>
     </p:spTree>
   </p:cSld>
   <p:clrMapOvr>
@@ -6974,37 +7319,85 @@
       </p:grpSpPr>
       <p:sp>
         <p:nvSpPr>
-          <p:cNvPr id="5122" name="Title 1"/>
-          <p:cNvSpPr>
-            <a:spLocks noGrp="1" noChangeArrowheads="1"/>
+          <p:cNvPr id="2" name="Title 1">
+            <a:extLst>
+              <a:ext uri="{FF2B5EF4-FFF2-40B4-BE49-F238E27FC236}">
+                <a16:creationId xmlns:a16="http://schemas.microsoft.com/office/drawing/2014/main" id="{5CE0B224-ED92-425B-B083-B849C17FCB7B}"/>
+              </a:ext>
+            </a:extLst>
+          </p:cNvPr>
+          <p:cNvSpPr>
+            <a:spLocks noGrp="1"/>
           </p:cNvSpPr>
           <p:nvPr>
             <p:ph type="title"/>
           </p:nvPr>
         </p:nvSpPr>
-        <p:spPr>
-          <a:xfrm>
-            <a:off x="0" y="2992718"/>
-            <a:ext cx="12192000" cy="935815"/>
-          </a:xfrm>
-        </p:spPr>
+        <p:spPr/>
         <p:txBody>
           <a:bodyPr/>
           <a:lstStyle/>
           <a:p>
-            <a:pPr algn="ctr" eaLnBrk="1" hangingPunct="1"/>
-            <a:r>
-              <a:rPr lang="en-US" altLang="en-US" sz="5400" dirty="0" smtClean="0"/>
-              <a:t>MVP 2 demo</a:t>
-            </a:r>
-            <a:endParaRPr lang="en-CA" altLang="en-US" sz="5400" dirty="0" smtClean="0"/>
+            <a:r>
+              <a:rPr lang="en-CA" dirty="0"/>
+              <a:t>MVP 1 Recap</a:t>
+            </a:r>
+          </a:p>
+        </p:txBody>
+      </p:sp>
+      <p:sp>
+        <p:nvSpPr>
+          <p:cNvPr id="3" name="Content Placeholder 2">
+            <a:extLst>
+              <a:ext uri="{FF2B5EF4-FFF2-40B4-BE49-F238E27FC236}">
+                <a16:creationId xmlns:a16="http://schemas.microsoft.com/office/drawing/2014/main" id="{CB427658-E068-4D19-A131-AC0C65930B91}"/>
+              </a:ext>
+            </a:extLst>
+          </p:cNvPr>
+          <p:cNvSpPr>
+            <a:spLocks noGrp="1"/>
+          </p:cNvSpPr>
+          <p:nvPr>
+            <p:ph idx="1"/>
+          </p:nvPr>
+        </p:nvSpPr>
+        <p:spPr/>
+        <p:txBody>
+          <a:bodyPr/>
+          <a:lstStyle/>
+          <a:p>
+            <a:r>
+              <a:rPr lang="en-CA" dirty="0"/>
+              <a:t>HTML/CSS was done. </a:t>
+            </a:r>
+          </a:p>
+          <a:p>
+            <a:r>
+              <a:rPr lang="en-CA" dirty="0"/>
+              <a:t>Our website did not dynamically display data or display profile/user information when logged in.</a:t>
+            </a:r>
+          </a:p>
+          <a:p>
+            <a:r>
+              <a:rPr lang="en-CA" dirty="0"/>
+              <a:t>The basis of our website, reviewing movies, was not implemented at all.</a:t>
+            </a:r>
+          </a:p>
+          <a:p>
+            <a:endParaRPr lang="en-CA" dirty="0"/>
+          </a:p>
+          <a:p>
+            <a:r>
+              <a:rPr lang="en-CA" dirty="0"/>
+              <a:t>A long ways off from a finished product!...</a:t>
+            </a:r>
           </a:p>
         </p:txBody>
       </p:sp>
     </p:spTree>
     <p:extLst>
       <p:ext uri="{BB962C8B-B14F-4D97-AF65-F5344CB8AC3E}">
-        <p14:creationId xmlns:p14="http://schemas.microsoft.com/office/powerpoint/2010/main" val="4105911761"/>
+        <p14:creationId xmlns:p14="http://schemas.microsoft.com/office/powerpoint/2010/main" val="251433278"/>
       </p:ext>
     </p:extLst>
   </p:cSld>
@@ -7033,7 +7426,7 @@
       </p:grpSpPr>
       <p:sp>
         <p:nvSpPr>
-          <p:cNvPr id="6146" name="Title 1"/>
+          <p:cNvPr id="5122" name="Title 1"/>
           <p:cNvSpPr>
             <a:spLocks noGrp="1" noChangeArrowheads="1"/>
           </p:cNvSpPr>
@@ -7046,11 +7439,12 @@
           <a:bodyPr/>
           <a:lstStyle/>
           <a:p>
-            <a:r>
-              <a:rPr lang="en-US" altLang="en-US" smtClean="0"/>
-              <a:t>Feelings, future MVPs &amp; GitHub</a:t>
-            </a:r>
-            <a:endParaRPr lang="en-CA" altLang="en-US" smtClean="0"/>
+            <a:pPr eaLnBrk="1" hangingPunct="1"/>
+            <a:r>
+              <a:rPr lang="en-US" altLang="en-US" dirty="0"/>
+              <a:t>MVP 2 demo</a:t>
+            </a:r>
+            <a:endParaRPr lang="en-CA" altLang="en-US" dirty="0"/>
           </a:p>
         </p:txBody>
       </p:sp>
@@ -7066,152 +7460,135 @@
         </p:nvSpPr>
         <p:spPr>
           <a:xfrm>
-            <a:off x="833359" y="1460251"/>
-            <a:ext cx="10884508" cy="5025216"/>
+            <a:off x="-201878" y="1464816"/>
+            <a:ext cx="6194955" cy="4887649"/>
           </a:xfrm>
         </p:spPr>
         <p:txBody>
           <a:bodyPr>
-            <a:normAutofit/>
+            <a:normAutofit fontScale="92500" lnSpcReduction="20000"/>
           </a:bodyPr>
           <a:lstStyle/>
           <a:p>
-            <a:pPr>
-              <a:defRPr/>
-            </a:pPr>
+            <a:endParaRPr lang="en-US" altLang="en-US" dirty="0"/>
+          </a:p>
+          <a:p>
+            <a:pPr lvl="1"/>
             <a:r>
               <a:rPr lang="en-US" altLang="en-US" dirty="0"/>
-              <a:t>Feelings</a:t>
-            </a:r>
-          </a:p>
-          <a:p>
-            <a:pPr lvl="1">
-              <a:defRPr/>
+              <a:t>What are things you really like?</a:t>
+            </a:r>
+          </a:p>
+          <a:p>
+            <a:pPr marL="914400" lvl="2" indent="0">
+              <a:buNone/>
             </a:pPr>
             <a:r>
               <a:rPr lang="en-US" altLang="en-US" dirty="0"/>
-              <a:t>Do you consider your project a success</a:t>
-            </a:r>
-          </a:p>
-          <a:p>
-            <a:pPr lvl="2">
-              <a:defRPr/>
-            </a:pPr>
-            <a:r>
-              <a:rPr lang="en-US" altLang="en-US" dirty="0" smtClean="0"/>
-              <a:t>Highlights:</a:t>
-            </a:r>
-          </a:p>
-          <a:p>
-            <a:pPr lvl="3">
-              <a:defRPr/>
-            </a:pPr>
-            <a:r>
-              <a:rPr lang="en-US" altLang="en-US" dirty="0" smtClean="0"/>
-              <a:t>Its simple design </a:t>
-            </a:r>
-          </a:p>
-          <a:p>
-            <a:pPr lvl="3">
-              <a:defRPr/>
-            </a:pPr>
-            <a:r>
-              <a:rPr lang="en-US" altLang="en-US" dirty="0" smtClean="0"/>
-              <a:t>Its functionality</a:t>
-            </a:r>
-          </a:p>
-          <a:p>
-            <a:pPr lvl="3">
-              <a:defRPr/>
-            </a:pPr>
-            <a:r>
-              <a:rPr lang="en-US" altLang="en-US" dirty="0" smtClean="0"/>
-              <a:t>Easily scalable</a:t>
-            </a:r>
-            <a:endParaRPr lang="en-US" altLang="en-US" dirty="0"/>
-          </a:p>
-          <a:p>
-            <a:pPr lvl="2">
-              <a:defRPr/>
-            </a:pPr>
+              <a:t>The basic functionality, users can sign up, log in, write reviews and rate them. </a:t>
+            </a:r>
+          </a:p>
+          <a:p>
+            <a:pPr lvl="1"/>
             <a:r>
               <a:rPr lang="en-US" altLang="en-US" dirty="0"/>
-              <a:t>What are some “better-ifs</a:t>
-            </a:r>
-            <a:r>
-              <a:rPr lang="en-US" altLang="en-US" dirty="0" smtClean="0"/>
-              <a:t>”</a:t>
-            </a:r>
-          </a:p>
-          <a:p>
-            <a:pPr lvl="3">
-              <a:defRPr/>
-            </a:pPr>
-            <a:r>
-              <a:rPr lang="en-US" altLang="en-US" dirty="0" smtClean="0"/>
-              <a:t>If we had more time we could have made a better design.</a:t>
-            </a:r>
-            <a:endParaRPr lang="en-US" altLang="en-US" dirty="0"/>
-          </a:p>
-          <a:p>
-            <a:pPr lvl="1">
-              <a:defRPr/>
+              <a:t>What are things you think might need some tinkering?</a:t>
+            </a:r>
+          </a:p>
+          <a:p>
+            <a:pPr marL="914400" lvl="2" indent="0">
+              <a:buNone/>
             </a:pPr>
             <a:r>
               <a:rPr lang="en-US" altLang="en-US" dirty="0"/>
-              <a:t>How many changes/direction shifts did your team take</a:t>
-            </a:r>
-            <a:r>
-              <a:rPr lang="en-US" altLang="en-US" dirty="0" smtClean="0"/>
-              <a:t>?</a:t>
-            </a:r>
-          </a:p>
-          <a:p>
-            <a:pPr lvl="2">
-              <a:defRPr/>
-            </a:pPr>
-            <a:r>
-              <a:rPr lang="en-US" altLang="en-US" dirty="0" smtClean="0"/>
-              <a:t>At first we were working on an android application but switched to a website system</a:t>
-            </a:r>
-          </a:p>
-          <a:p>
-            <a:pPr lvl="2">
-              <a:defRPr/>
-            </a:pPr>
-            <a:r>
-              <a:rPr lang="en-US" altLang="en-US" dirty="0" smtClean="0"/>
-              <a:t>We also changed our database from </a:t>
-            </a:r>
-            <a:r>
-              <a:rPr lang="en-US" altLang="en-US" dirty="0" err="1" smtClean="0"/>
-              <a:t>WebSQL</a:t>
-            </a:r>
-            <a:r>
-              <a:rPr lang="en-US" altLang="en-US" dirty="0" smtClean="0"/>
-              <a:t> to MySQL</a:t>
-            </a:r>
-          </a:p>
-          <a:p>
-            <a:pPr lvl="1">
-              <a:defRPr/>
-            </a:pPr>
-            <a:r>
-              <a:rPr lang="en-US" altLang="en-US" dirty="0" smtClean="0"/>
-              <a:t>Do you consider your code </a:t>
-            </a:r>
-            <a:r>
-              <a:rPr lang="en-US" altLang="en-US" i="1" dirty="0" smtClean="0"/>
-              <a:t>clean</a:t>
-            </a:r>
-            <a:r>
-              <a:rPr lang="en-US" altLang="en-US" dirty="0" smtClean="0"/>
-              <a:t>? Why/why not? Recommendations?</a:t>
-            </a:r>
-            <a:endParaRPr lang="en-US" altLang="en-US" dirty="0"/>
-          </a:p>
-        </p:txBody>
-      </p:sp>
+              <a:t>Definitely design/CSS displaying.</a:t>
+            </a:r>
+          </a:p>
+          <a:p>
+            <a:pPr marL="914400" lvl="2" indent="0">
+              <a:buNone/>
+            </a:pPr>
+            <a:r>
+              <a:rPr lang="en-US" altLang="en-US" dirty="0"/>
+              <a:t>Some security things with SQL injection vulnerability, etc.</a:t>
+            </a:r>
+          </a:p>
+          <a:p>
+            <a:pPr lvl="1"/>
+            <a:r>
+              <a:rPr lang="en-US" altLang="en-US" dirty="0"/>
+              <a:t>MVP 1 and MVP 2</a:t>
+            </a:r>
+          </a:p>
+          <a:p>
+            <a:pPr marL="914400" lvl="2" indent="0">
+              <a:buNone/>
+            </a:pPr>
+            <a:r>
+              <a:rPr lang="en-US" altLang="en-US" dirty="0"/>
+              <a:t>In MVP 1 only the login and sign up functionalities were working</a:t>
+            </a:r>
+          </a:p>
+          <a:p>
+            <a:pPr marL="914400" lvl="2" indent="0">
+              <a:buNone/>
+            </a:pPr>
+            <a:r>
+              <a:rPr lang="en-US" altLang="en-US" dirty="0"/>
+              <a:t>In MVP 2 users are able to write reviews and rate them.</a:t>
+            </a:r>
+          </a:p>
+          <a:p>
+            <a:pPr marL="914400" lvl="2" indent="0">
+              <a:buNone/>
+            </a:pPr>
+            <a:r>
+              <a:rPr lang="en-US" altLang="en-US" dirty="0"/>
+              <a:t>PHP/AJAX/JS dynamically display upvotes/downvotes for reviews, sorting movies on homepage and posting reviews.</a:t>
+            </a:r>
+          </a:p>
+          <a:p>
+            <a:pPr marL="914400" lvl="2" indent="0">
+              <a:buNone/>
+            </a:pPr>
+            <a:r>
+              <a:rPr lang="en-US" altLang="en-US" dirty="0"/>
+              <a:t>User profile picture displayed with logout button to destroy session.</a:t>
+            </a:r>
+            <a:endParaRPr lang="en-CA" altLang="en-US" dirty="0"/>
+          </a:p>
+        </p:txBody>
+      </p:sp>
+      <p:pic>
+        <p:nvPicPr>
+          <p:cNvPr id="3" name="Picture 2">
+            <a:extLst>
+              <a:ext uri="{FF2B5EF4-FFF2-40B4-BE49-F238E27FC236}">
+                <a16:creationId xmlns:a16="http://schemas.microsoft.com/office/drawing/2014/main" id="{6562559B-F2C6-470C-8AA4-088EF07EF0CC}"/>
+              </a:ext>
+            </a:extLst>
+          </p:cNvPr>
+          <p:cNvPicPr>
+            <a:picLocks noChangeAspect="1"/>
+          </p:cNvPicPr>
+          <p:nvPr/>
+        </p:nvPicPr>
+        <p:blipFill>
+          <a:blip r:embed="rId2"/>
+          <a:stretch>
+            <a:fillRect/>
+          </a:stretch>
+        </p:blipFill>
+        <p:spPr>
+          <a:xfrm>
+            <a:off x="6391922" y="1875625"/>
+            <a:ext cx="5422035" cy="3129128"/>
+          </a:xfrm>
+          <a:prstGeom prst="rect">
+            <a:avLst/>
+          </a:prstGeom>
+        </p:spPr>
+      </p:pic>
     </p:spTree>
   </p:cSld>
   <p:clrMapOvr>
@@ -7239,7 +7616,7 @@
       </p:grpSpPr>
       <p:sp>
         <p:nvSpPr>
-          <p:cNvPr id="6146" name="Title 1"/>
+          <p:cNvPr id="5122" name="Title 1"/>
           <p:cNvSpPr>
             <a:spLocks noGrp="1" noChangeArrowheads="1"/>
           </p:cNvSpPr>
@@ -7247,119 +7624,31 @@
             <p:ph type="title"/>
           </p:nvPr>
         </p:nvSpPr>
-        <p:spPr/>
-        <p:txBody>
-          <a:bodyPr/>
-          <a:lstStyle/>
-          <a:p>
-            <a:r>
-              <a:rPr lang="en-US" altLang="en-US" smtClean="0"/>
-              <a:t>Feelings, future MVPs &amp; GitHub</a:t>
-            </a:r>
-            <a:endParaRPr lang="en-CA" altLang="en-US" smtClean="0"/>
-          </a:p>
-        </p:txBody>
-      </p:sp>
-      <p:sp>
-        <p:nvSpPr>
-          <p:cNvPr id="5123" name="Content Placeholder 2"/>
-          <p:cNvSpPr>
-            <a:spLocks noGrp="1" noChangeArrowheads="1"/>
-          </p:cNvSpPr>
-          <p:nvPr>
-            <p:ph idx="1"/>
-          </p:nvPr>
-        </p:nvSpPr>
-        <p:spPr/>
+        <p:spPr>
+          <a:xfrm>
+            <a:off x="0" y="2992718"/>
+            <a:ext cx="12192000" cy="935815"/>
+          </a:xfrm>
+        </p:spPr>
         <p:txBody>
           <a:bodyPr>
             <a:normAutofit/>
           </a:bodyPr>
           <a:lstStyle/>
           <a:p>
-            <a:pPr>
-              <a:defRPr/>
-            </a:pPr>
-            <a:r>
-              <a:rPr lang="en-US" altLang="en-US" dirty="0" smtClean="0"/>
-              <a:t>Discuss </a:t>
-            </a:r>
-            <a:r>
-              <a:rPr lang="en-US" altLang="en-US" dirty="0"/>
-              <a:t>what your team envisioned for potential next </a:t>
-            </a:r>
-            <a:r>
-              <a:rPr lang="en-US" altLang="en-US" dirty="0" smtClean="0"/>
-              <a:t>MVPs</a:t>
-            </a:r>
-          </a:p>
-          <a:p>
-            <a:pPr lvl="1">
-              <a:defRPr/>
-            </a:pPr>
-            <a:r>
-              <a:rPr lang="en-US" altLang="en-US" dirty="0" smtClean="0"/>
-              <a:t>Change Design</a:t>
-            </a:r>
-          </a:p>
-          <a:p>
-            <a:pPr lvl="1">
-              <a:defRPr/>
-            </a:pPr>
-            <a:r>
-              <a:rPr lang="en-US" altLang="en-US" dirty="0" smtClean="0"/>
-              <a:t>Let users edit their profile information</a:t>
-            </a:r>
-          </a:p>
-          <a:p>
-            <a:pPr lvl="1">
-              <a:defRPr/>
-            </a:pPr>
-            <a:r>
-              <a:rPr lang="en-US" altLang="en-US" dirty="0" smtClean="0"/>
-              <a:t>Implement a type of chat so users can talk between them.</a:t>
-            </a:r>
-            <a:endParaRPr lang="en-US" altLang="en-US" dirty="0"/>
-          </a:p>
-          <a:p>
-            <a:pPr>
-              <a:defRPr/>
-            </a:pPr>
-            <a:r>
-              <a:rPr lang="en-US" altLang="en-US" dirty="0"/>
-              <a:t>Review your team’s </a:t>
-            </a:r>
-            <a:r>
-              <a:rPr lang="en-US" altLang="en-US" dirty="0" smtClean="0"/>
-              <a:t>GitHub</a:t>
-            </a:r>
-          </a:p>
-          <a:p>
-            <a:pPr lvl="1">
-              <a:defRPr/>
-            </a:pPr>
-            <a:r>
-              <a:rPr lang="en-US" altLang="en-US" dirty="0" err="1" smtClean="0"/>
-              <a:t>Github</a:t>
-            </a:r>
-            <a:r>
-              <a:rPr lang="en-US" altLang="en-US" dirty="0" smtClean="0"/>
-              <a:t> link: </a:t>
-            </a:r>
-            <a:r>
-              <a:rPr lang="es-MX" dirty="0">
-                <a:hlinkClick r:id="rId2"/>
-              </a:rPr>
-              <a:t>https://github.com/alpacamusical/Project-ENSE-374</a:t>
-            </a:r>
-            <a:endParaRPr lang="en-US" altLang="en-US" dirty="0"/>
+            <a:pPr algn="ctr" eaLnBrk="1" hangingPunct="1"/>
+            <a:r>
+              <a:rPr lang="en-US" altLang="en-US" sz="5400" dirty="0"/>
+              <a:t>MVP 2 demo</a:t>
+            </a:r>
+            <a:endParaRPr lang="en-CA" altLang="en-US" sz="5400" dirty="0"/>
           </a:p>
         </p:txBody>
       </p:sp>
     </p:spTree>
     <p:extLst>
       <p:ext uri="{BB962C8B-B14F-4D97-AF65-F5344CB8AC3E}">
-        <p14:creationId xmlns:p14="http://schemas.microsoft.com/office/powerpoint/2010/main" val="1624421090"/>
+        <p14:creationId xmlns:p14="http://schemas.microsoft.com/office/powerpoint/2010/main" val="4105911761"/>
       </p:ext>
     </p:extLst>
   </p:cSld>
@@ -7388,7 +7677,7 @@
       </p:grpSpPr>
       <p:sp>
         <p:nvSpPr>
-          <p:cNvPr id="8194" name="Title 1"/>
+          <p:cNvPr id="6146" name="Title 1"/>
           <p:cNvSpPr>
             <a:spLocks noGrp="1" noChangeArrowheads="1"/>
           </p:cNvSpPr>
@@ -7401,178 +7690,387 @@
           <a:bodyPr/>
           <a:lstStyle/>
           <a:p>
-            <a:pPr eaLnBrk="1" hangingPunct="1"/>
-            <a:r>
-              <a:rPr lang="en-US" altLang="en-US" dirty="0" smtClean="0"/>
-              <a:t>Group reflection</a:t>
-            </a:r>
-            <a:endParaRPr lang="en-CA" altLang="en-US" dirty="0" smtClean="0"/>
-          </a:p>
-        </p:txBody>
-      </p:sp>
-      <p:sp>
-        <p:nvSpPr>
-          <p:cNvPr id="3" name="Content Placeholder 2"/>
-          <p:cNvSpPr>
-            <a:spLocks noGrp="1"/>
+            <a:r>
+              <a:rPr lang="en-US" altLang="en-US" dirty="0"/>
+              <a:t>Feelings, future MVPs &amp; GitHub</a:t>
+            </a:r>
+            <a:endParaRPr lang="en-CA" altLang="en-US" dirty="0"/>
+          </a:p>
+        </p:txBody>
+      </p:sp>
+      <p:sp>
+        <p:nvSpPr>
+          <p:cNvPr id="5123" name="Content Placeholder 2"/>
+          <p:cNvSpPr>
+            <a:spLocks noGrp="1" noChangeArrowheads="1"/>
           </p:cNvSpPr>
           <p:nvPr>
             <p:ph idx="1"/>
           </p:nvPr>
         </p:nvSpPr>
-        <p:spPr/>
-        <p:txBody>
-          <a:bodyPr rtlCol="0">
-            <a:normAutofit fontScale="92500" lnSpcReduction="20000"/>
+        <p:spPr>
+          <a:xfrm>
+            <a:off x="833359" y="1460251"/>
+            <a:ext cx="10884508" cy="5025216"/>
+          </a:xfrm>
+        </p:spPr>
+        <p:txBody>
+          <a:bodyPr>
+            <a:normAutofit/>
           </a:bodyPr>
           <a:lstStyle/>
           <a:p>
-            <a:pPr eaLnBrk="1" fontAlgn="auto" hangingPunct="1">
-              <a:spcAft>
-                <a:spcPts val="0"/>
-              </a:spcAft>
-              <a:defRPr/>
-            </a:pPr>
-            <a:r>
-              <a:rPr lang="en-US" dirty="0"/>
-              <a:t>How did you feel about this </a:t>
-            </a:r>
-            <a:r>
-              <a:rPr lang="en-US" u="sng" dirty="0">
+            <a:pPr>
+              <a:defRPr/>
+            </a:pPr>
+            <a:r>
+              <a:rPr lang="en-US" altLang="en-US" dirty="0"/>
+              <a:t>Feelings</a:t>
+            </a:r>
+          </a:p>
+          <a:p>
+            <a:pPr lvl="1">
+              <a:defRPr/>
+            </a:pPr>
+            <a:r>
+              <a:rPr lang="en-US" altLang="en-US" dirty="0"/>
+              <a:t>Do you consider your project a success</a:t>
+            </a:r>
+          </a:p>
+          <a:p>
+            <a:pPr lvl="2">
+              <a:defRPr/>
+            </a:pPr>
+            <a:r>
+              <a:rPr lang="en-US" altLang="en-US" dirty="0"/>
+              <a:t>Highlights:</a:t>
+            </a:r>
+          </a:p>
+          <a:p>
+            <a:pPr lvl="3">
+              <a:defRPr/>
+            </a:pPr>
+            <a:r>
+              <a:rPr lang="en-US" altLang="en-US" dirty="0"/>
+              <a:t>Simple design </a:t>
+            </a:r>
+          </a:p>
+          <a:p>
+            <a:pPr lvl="3">
+              <a:defRPr/>
+            </a:pPr>
+            <a:r>
+              <a:rPr lang="en-US" altLang="en-US" dirty="0"/>
+              <a:t>Its functionality</a:t>
+            </a:r>
+          </a:p>
+          <a:p>
+            <a:pPr lvl="3">
+              <a:defRPr/>
+            </a:pPr>
+            <a:r>
+              <a:rPr lang="en-US" altLang="en-US" dirty="0"/>
+              <a:t>Easily scalable</a:t>
+            </a:r>
+          </a:p>
+          <a:p>
+            <a:pPr lvl="2">
+              <a:defRPr/>
+            </a:pPr>
+            <a:r>
+              <a:rPr lang="en-US" altLang="en-US" dirty="0"/>
+              <a:t>What are some “better-ifs”</a:t>
+            </a:r>
+          </a:p>
+          <a:p>
+            <a:pPr lvl="3">
+              <a:defRPr/>
+            </a:pPr>
+            <a:r>
+              <a:rPr lang="en-US" altLang="en-US" dirty="0"/>
+              <a:t>Way better and cleaner CSS design</a:t>
+            </a:r>
+          </a:p>
+          <a:p>
+            <a:pPr lvl="3">
+              <a:defRPr/>
+            </a:pPr>
+            <a:r>
+              <a:rPr lang="en-US" altLang="en-US" dirty="0"/>
+              <a:t>More movies, looked at movie scraping to automatically add movies to the DB.</a:t>
+            </a:r>
+          </a:p>
+        </p:txBody>
+      </p:sp>
+    </p:spTree>
+  </p:cSld>
+  <p:clrMapOvr>
+    <a:masterClrMapping/>
+  </p:clrMapOvr>
+</p:sld>
+</file>
+
+<file path=ppt/slides/slide9.xml><?xml version="1.0" encoding="utf-8"?>
+<p:sld xmlns:a="http://schemas.openxmlformats.org/drawingml/2006/main" xmlns:r="http://schemas.openxmlformats.org/officeDocument/2006/relationships" xmlns:p="http://schemas.openxmlformats.org/presentationml/2006/main">
+  <p:cSld>
+    <p:spTree>
+      <p:nvGrpSpPr>
+        <p:cNvPr id="1" name=""/>
+        <p:cNvGrpSpPr/>
+        <p:nvPr/>
+      </p:nvGrpSpPr>
+      <p:grpSpPr>
+        <a:xfrm>
+          <a:off x="0" y="0"/>
+          <a:ext cx="0" cy="0"/>
+          <a:chOff x="0" y="0"/>
+          <a:chExt cx="0" cy="0"/>
+        </a:xfrm>
+      </p:grpSpPr>
+      <p:sp>
+        <p:nvSpPr>
+          <p:cNvPr id="2" name="Title 1">
+            <a:extLst>
+              <a:ext uri="{FF2B5EF4-FFF2-40B4-BE49-F238E27FC236}">
+                <a16:creationId xmlns:a16="http://schemas.microsoft.com/office/drawing/2014/main" id="{7DDDAA11-093D-4D18-B62E-BE0680911F0F}"/>
+              </a:ext>
+            </a:extLst>
+          </p:cNvPr>
+          <p:cNvSpPr>
+            <a:spLocks noGrp="1"/>
+          </p:cNvSpPr>
+          <p:nvPr>
+            <p:ph type="title"/>
+          </p:nvPr>
+        </p:nvSpPr>
+        <p:spPr/>
+        <p:txBody>
+          <a:bodyPr>
+            <a:normAutofit/>
+          </a:bodyPr>
+          <a:lstStyle/>
+          <a:p>
+            <a:pPr lvl="1">
+              <a:defRPr/>
+            </a:pPr>
+            <a:br>
+              <a:rPr lang="en-US" altLang="en-US" dirty="0"/>
+            </a:br>
+            <a:endParaRPr lang="en-CA" dirty="0"/>
+          </a:p>
+        </p:txBody>
+      </p:sp>
+      <p:sp>
+        <p:nvSpPr>
+          <p:cNvPr id="3" name="Content Placeholder 2">
+            <a:extLst>
+              <a:ext uri="{FF2B5EF4-FFF2-40B4-BE49-F238E27FC236}">
+                <a16:creationId xmlns:a16="http://schemas.microsoft.com/office/drawing/2014/main" id="{A913451A-B21A-4CB9-81D3-21D6D970DD43}"/>
+              </a:ext>
+            </a:extLst>
+          </p:cNvPr>
+          <p:cNvSpPr>
+            <a:spLocks noGrp="1"/>
+          </p:cNvSpPr>
+          <p:nvPr>
+            <p:ph idx="1"/>
+          </p:nvPr>
+        </p:nvSpPr>
+        <p:spPr>
+          <a:xfrm>
+            <a:off x="533400" y="1999652"/>
+            <a:ext cx="8946541" cy="4195481"/>
+          </a:xfrm>
+        </p:spPr>
+        <p:txBody>
+          <a:bodyPr>
+            <a:normAutofit fontScale="92500" lnSpcReduction="10000"/>
+          </a:bodyPr>
+          <a:lstStyle/>
+          <a:p>
+            <a:pPr lvl="1">
+              <a:defRPr/>
+            </a:pPr>
+            <a:r>
+              <a:rPr lang="en-US" altLang="en-US" dirty="0"/>
+              <a:t>How many changes/direction shifts did your team take?</a:t>
+            </a:r>
+          </a:p>
+          <a:p>
+            <a:pPr lvl="2">
+              <a:defRPr/>
+            </a:pPr>
+            <a:r>
+              <a:rPr lang="en-US" altLang="en-US" dirty="0"/>
+              <a:t>At first we were working on an android application but switched to a website system</a:t>
+            </a:r>
+          </a:p>
+          <a:p>
+            <a:pPr lvl="2">
+              <a:defRPr/>
+            </a:pPr>
+            <a:r>
+              <a:rPr lang="en-US" altLang="en-US" dirty="0"/>
+              <a:t>We also changed our database from </a:t>
+            </a:r>
+            <a:r>
+              <a:rPr lang="en-US" altLang="en-US" dirty="0" err="1"/>
+              <a:t>WebSQL</a:t>
+            </a:r>
+            <a:r>
+              <a:rPr lang="en-US" altLang="en-US" dirty="0"/>
+              <a:t> to MySQL</a:t>
+            </a:r>
+          </a:p>
+          <a:p>
+            <a:pPr lvl="2">
+              <a:defRPr/>
+            </a:pPr>
+            <a:endParaRPr lang="en-US" altLang="en-US" dirty="0"/>
+          </a:p>
+          <a:p>
+            <a:pPr marL="914400" lvl="2" indent="0">
+              <a:buNone/>
+              <a:defRPr/>
+            </a:pPr>
+            <a:endParaRPr lang="en-US" altLang="en-US" dirty="0"/>
+          </a:p>
+          <a:p>
+            <a:pPr lvl="1">
+              <a:defRPr/>
+            </a:pPr>
+            <a:r>
+              <a:rPr lang="en-US" altLang="en-US" dirty="0"/>
+              <a:t>Do you consider your code </a:t>
+            </a:r>
+            <a:r>
+              <a:rPr lang="en-US" altLang="en-US" i="1" dirty="0"/>
+              <a:t>clean</a:t>
+            </a:r>
+            <a:r>
+              <a:rPr lang="en-US" altLang="en-US" dirty="0"/>
+              <a:t>? Why/why not? Recommendations?</a:t>
+            </a:r>
+          </a:p>
+          <a:p>
+            <a:pPr lvl="2">
+              <a:defRPr/>
+            </a:pPr>
+            <a:r>
+              <a:rPr lang="en-US" altLang="en-US" dirty="0"/>
+              <a:t>Our code is fairly clean. However, some of our variables names could be thought out better. </a:t>
+            </a:r>
+          </a:p>
+          <a:p>
+            <a:pPr lvl="2">
+              <a:defRPr/>
+            </a:pPr>
+            <a:r>
+              <a:rPr lang="en-US" altLang="en-US" dirty="0"/>
+              <a:t> The commenting could be a little more consistent and explain what is going on throughout each php block. I.E; Not just at major junctions.</a:t>
+            </a:r>
+          </a:p>
+          <a:p>
+            <a:pPr lvl="2">
+              <a:defRPr/>
+            </a:pPr>
+            <a:r>
+              <a:rPr lang="en-US" altLang="en-US" dirty="0"/>
+              <a:t>Our code rarely repeats itself, when it does it is out of necessity. PHP not running in one if statement could mean that the variable is not yet initialized with a value so it has to be initialized for redundancy.</a:t>
+            </a:r>
+          </a:p>
+          <a:p>
+            <a:endParaRPr lang="en-CA" dirty="0"/>
+          </a:p>
+        </p:txBody>
+      </p:sp>
+      <p:sp>
+        <p:nvSpPr>
+          <p:cNvPr id="4" name="Title 1">
+            <a:extLst>
+              <a:ext uri="{FF2B5EF4-FFF2-40B4-BE49-F238E27FC236}">
+                <a16:creationId xmlns:a16="http://schemas.microsoft.com/office/drawing/2014/main" id="{7ED5576D-08CB-4208-B1FE-93FE10A84DFB}"/>
+              </a:ext>
+            </a:extLst>
+          </p:cNvPr>
+          <p:cNvSpPr txBox="1">
+            <a:spLocks noChangeArrowheads="1"/>
+          </p:cNvSpPr>
+          <p:nvPr/>
+        </p:nvSpPr>
+        <p:spPr>
+          <a:xfrm>
+            <a:off x="269290" y="706624"/>
+            <a:ext cx="8610600" cy="1293028"/>
+          </a:xfrm>
+          <a:prstGeom prst="rect">
+            <a:avLst/>
+          </a:prstGeom>
+        </p:spPr>
+        <p:txBody>
+          <a:bodyPr vert="horz" lIns="91440" tIns="45720" rIns="91440" bIns="45720" rtlCol="0" anchor="ctr">
+            <a:normAutofit/>
+          </a:bodyPr>
+          <a:lstStyle>
+            <a:lvl1pPr algn="r" defTabSz="914400" rtl="0" eaLnBrk="1" latinLnBrk="0" hangingPunct="1">
+              <a:lnSpc>
+                <a:spcPct val="90000"/>
+              </a:lnSpc>
+              <a:spcBef>
+                <a:spcPct val="0"/>
+              </a:spcBef>
+              <a:buNone/>
+              <a:defRPr sz="4000" kern="1200" cap="all" baseline="0">
                 <a:solidFill>
-                  <a:srgbClr val="FF0000"/>
+                  <a:schemeClr val="tx1"/>
                 </a:solidFill>
-              </a:rPr>
-              <a:t>project</a:t>
-            </a:r>
-            <a:r>
-              <a:rPr lang="en-US" dirty="0"/>
-              <a:t>? What did you like about it? What did you dislike?</a:t>
-            </a:r>
-          </a:p>
-          <a:p>
-            <a:pPr lvl="1" eaLnBrk="1" fontAlgn="auto" hangingPunct="1">
-              <a:spcAft>
-                <a:spcPts val="0"/>
-              </a:spcAft>
-              <a:defRPr/>
-            </a:pPr>
-            <a:r>
-              <a:rPr lang="en-US" dirty="0" smtClean="0"/>
-              <a:t>We learn our weaknesses and strengths, at first it was kind of hard to decide which tools to use or on what should everyone work but sort it out.</a:t>
-            </a:r>
-            <a:endParaRPr lang="en-US" dirty="0"/>
-          </a:p>
-          <a:p>
-            <a:pPr eaLnBrk="1" fontAlgn="auto" hangingPunct="1">
-              <a:spcAft>
-                <a:spcPts val="0"/>
-              </a:spcAft>
-              <a:defRPr/>
-            </a:pPr>
-            <a:r>
-              <a:rPr lang="en-US" dirty="0"/>
-              <a:t>What did you learn about yourself as you collaborated and worked through this </a:t>
-            </a:r>
-            <a:r>
-              <a:rPr lang="en-US" u="sng" dirty="0">
-                <a:solidFill>
-                  <a:srgbClr val="FF0000"/>
-                </a:solidFill>
-              </a:rPr>
-              <a:t>project</a:t>
-            </a:r>
-            <a:r>
-              <a:rPr lang="en-US" dirty="0"/>
-              <a:t>?</a:t>
-            </a:r>
-          </a:p>
-          <a:p>
-            <a:pPr lvl="1" eaLnBrk="1" fontAlgn="auto" hangingPunct="1">
-              <a:spcAft>
-                <a:spcPts val="0"/>
-              </a:spcAft>
-              <a:defRPr/>
-            </a:pPr>
-            <a:r>
-              <a:rPr lang="en-US" dirty="0" smtClean="0"/>
-              <a:t>That we can get better results as teams rather than individuals.</a:t>
-            </a:r>
-            <a:endParaRPr lang="en-US" dirty="0"/>
-          </a:p>
-          <a:p>
-            <a:pPr eaLnBrk="1" fontAlgn="auto" hangingPunct="1">
-              <a:spcAft>
-                <a:spcPts val="0"/>
-              </a:spcAft>
-              <a:defRPr/>
-            </a:pPr>
-            <a:r>
-              <a:rPr lang="en-US" dirty="0"/>
-              <a:t>How will you use what you have learned going forward?</a:t>
-            </a:r>
-          </a:p>
-          <a:p>
-            <a:pPr lvl="1" eaLnBrk="1" fontAlgn="auto" hangingPunct="1">
-              <a:spcAft>
-                <a:spcPts val="0"/>
-              </a:spcAft>
-              <a:defRPr/>
-            </a:pPr>
-            <a:r>
-              <a:rPr lang="en-US" dirty="0" smtClean="0"/>
-              <a:t>On future projects we will make things right, instead of jumping right into coding we will analyze requirements and design so we avoid errors.</a:t>
-            </a:r>
-            <a:endParaRPr lang="en-US" dirty="0"/>
-          </a:p>
-          <a:p>
-            <a:pPr eaLnBrk="1" fontAlgn="auto" hangingPunct="1">
-              <a:spcAft>
-                <a:spcPts val="0"/>
-              </a:spcAft>
-              <a:defRPr/>
-            </a:pPr>
-            <a:r>
-              <a:rPr lang="en-US" dirty="0"/>
-              <a:t>What “stuff &amp; things” related to this </a:t>
-            </a:r>
-            <a:r>
-              <a:rPr lang="en-US" u="sng" dirty="0">
-                <a:solidFill>
-                  <a:srgbClr val="FF0000"/>
-                </a:solidFill>
-              </a:rPr>
-              <a:t>project</a:t>
-            </a:r>
-            <a:r>
-              <a:rPr lang="en-US" dirty="0"/>
-              <a:t> would you want help with? – Could have been better?</a:t>
-            </a:r>
-          </a:p>
-          <a:p>
-            <a:pPr lvl="1" eaLnBrk="1" fontAlgn="auto" hangingPunct="1">
-              <a:spcAft>
-                <a:spcPts val="0"/>
-              </a:spcAft>
-              <a:defRPr/>
-            </a:pPr>
-            <a:r>
-              <a:rPr lang="en-US" dirty="0" smtClean="0"/>
-              <a:t>Database and </a:t>
-            </a:r>
-            <a:r>
-              <a:rPr lang="en-US" dirty="0" err="1" smtClean="0"/>
-              <a:t>javascript</a:t>
-            </a:r>
-            <a:r>
-              <a:rPr lang="en-US" dirty="0"/>
-              <a:t>.</a:t>
-            </a:r>
-            <a:endParaRPr lang="en-CA" dirty="0"/>
-          </a:p>
-        </p:txBody>
-      </p:sp>
+                <a:latin typeface="+mj-lt"/>
+                <a:ea typeface="+mj-ea"/>
+                <a:cs typeface="+mj-cs"/>
+              </a:defRPr>
+            </a:lvl1pPr>
+          </a:lstStyle>
+          <a:p>
+            <a:endParaRPr lang="en-CA" altLang="en-US" dirty="0"/>
+          </a:p>
+        </p:txBody>
+      </p:sp>
+      <p:pic>
+        <p:nvPicPr>
+          <p:cNvPr id="5" name="Picture 4">
+            <a:extLst>
+              <a:ext uri="{FF2B5EF4-FFF2-40B4-BE49-F238E27FC236}">
+                <a16:creationId xmlns:a16="http://schemas.microsoft.com/office/drawing/2014/main" id="{158194CA-C36C-4BA9-B057-5E5D3583081C}"/>
+              </a:ext>
+            </a:extLst>
+          </p:cNvPr>
+          <p:cNvPicPr>
+            <a:picLocks noChangeAspect="1"/>
+          </p:cNvPicPr>
+          <p:nvPr/>
+        </p:nvPicPr>
+        <p:blipFill>
+          <a:blip r:embed="rId2"/>
+          <a:stretch>
+            <a:fillRect/>
+          </a:stretch>
+        </p:blipFill>
+        <p:spPr>
+          <a:xfrm>
+            <a:off x="646111" y="662867"/>
+            <a:ext cx="9644708" cy="1524132"/>
+          </a:xfrm>
+          <a:prstGeom prst="rect">
+            <a:avLst/>
+          </a:prstGeom>
+        </p:spPr>
+      </p:pic>
     </p:spTree>
+    <p:extLst>
+      <p:ext uri="{BB962C8B-B14F-4D97-AF65-F5344CB8AC3E}">
+        <p14:creationId xmlns:p14="http://schemas.microsoft.com/office/powerpoint/2010/main" val="3904999754"/>
+      </p:ext>
+    </p:extLst>
   </p:cSld>
   <p:clrMapOvr>
     <a:masterClrMapping/>
@@ -7583,7 +8081,7 @@
 <file path=ppt/theme/theme1.xml><?xml version="1.0" encoding="utf-8"?>
 <a:theme xmlns:a="http://schemas.openxmlformats.org/drawingml/2006/main" name="Ion">
   <a:themeElements>
-    <a:clrScheme name="Ion">
+    <a:clrScheme name="Aspect">
       <a:dk1>
         <a:sysClr val="windowText" lastClr="000000"/>
       </a:dk1>
@@ -7591,34 +8089,34 @@
         <a:sysClr val="window" lastClr="FFFFFF"/>
       </a:lt1>
       <a:dk2>
-        <a:srgbClr val="1E5155"/>
+        <a:srgbClr val="323232"/>
       </a:dk2>
       <a:lt2>
-        <a:srgbClr val="EBEBEB"/>
+        <a:srgbClr val="E3DED1"/>
       </a:lt2>
       <a:accent1>
-        <a:srgbClr val="B01513"/>
+        <a:srgbClr val="F07F09"/>
       </a:accent1>
       <a:accent2>
-        <a:srgbClr val="EA6312"/>
+        <a:srgbClr val="9F2936"/>
       </a:accent2>
       <a:accent3>
-        <a:srgbClr val="E6B729"/>
+        <a:srgbClr val="1B587C"/>
       </a:accent3>
       <a:accent4>
-        <a:srgbClr val="6AAC90"/>
+        <a:srgbClr val="4E8542"/>
       </a:accent4>
       <a:accent5>
-        <a:srgbClr val="54849A"/>
+        <a:srgbClr val="604878"/>
       </a:accent5>
       <a:accent6>
-        <a:srgbClr val="9E5E9B"/>
+        <a:srgbClr val="C19859"/>
       </a:accent6>
       <a:hlink>
-        <a:srgbClr val="58C1BA"/>
+        <a:srgbClr val="6B9F25"/>
       </a:hlink>
       <a:folHlink>
-        <a:srgbClr val="9DFFCB"/>
+        <a:srgbClr val="B26B02"/>
       </a:folHlink>
     </a:clrScheme>
     <a:fontScheme name="Ion">
@@ -7794,19 +8292,18 @@
           <a:gsLst>
             <a:gs pos="0">
               <a:schemeClr val="phClr">
-                <a:tint val="97000"/>
-                <a:hueMod val="88000"/>
-                <a:satMod val="130000"/>
-                <a:lumMod val="124000"/>
+                <a:tint val="92000"/>
+                <a:hueMod val="96000"/>
+                <a:satMod val="128000"/>
+                <a:lumMod val="114000"/>
               </a:schemeClr>
             </a:gs>
             <a:gs pos="100000">
               <a:schemeClr val="phClr">
-                <a:tint val="96000"/>
-                <a:shade val="88000"/>
-                <a:hueMod val="108000"/>
-                <a:satMod val="164000"/>
-                <a:lumMod val="76000"/>
+                <a:shade val="62000"/>
+                <a:hueMod val="100000"/>
+                <a:satMod val="134000"/>
+                <a:lumMod val="56000"/>
               </a:schemeClr>
             </a:gs>
           </a:gsLst>
@@ -7818,16 +8315,16 @@
           <a:blip xmlns:r="http://schemas.openxmlformats.org/officeDocument/2006/relationships" r:embed="rId1">
             <a:duotone>
               <a:schemeClr val="phClr">
-                <a:shade val="69000"/>
+                <a:shade val="62000"/>
                 <a:hueMod val="108000"/>
                 <a:satMod val="164000"/>
-                <a:lumMod val="74000"/>
+                <a:lumMod val="69000"/>
               </a:schemeClr>
               <a:schemeClr val="phClr">
                 <a:tint val="96000"/>
-                <a:hueMod val="88000"/>
-                <a:satMod val="140000"/>
-                <a:lumMod val="132000"/>
+                <a:hueMod val="90000"/>
+                <a:satMod val="130000"/>
+                <a:lumMod val="134000"/>
               </a:schemeClr>
             </a:duotone>
           </a:blip>
@@ -7840,7 +8337,7 @@
   <a:extraClrSchemeLst/>
   <a:extLst>
     <a:ext uri="{05A4C25C-085E-4340-85A3-A5531E510DB2}">
-      <thm15:themeFamily xmlns:thm15="http://schemas.microsoft.com/office/thememl/2012/main" name="Ion" id="{B8441ADB-2E43-4AF7-B97A-BD870242C6A8}" vid="{292E63A9-BB86-4E3D-B92A-7223C6510D2E}"/>
+      <thm15:themeFamily xmlns:thm15="http://schemas.microsoft.com/office/thememl/2012/main" name="Ion" id="{B8441ADB-2E43-4AF7-B97A-BD870242C6A8}" vid="{BACC050B-8757-4460-95D8-E37B46A6B421}"/>
     </a:ext>
   </a:extLst>
 </a:theme>

--- a/Documentation/Milestone 4.pptx
+++ b/Documentation/Milestone 4.pptx
@@ -311,7 +311,7 @@
               <a:pPr>
                 <a:defRPr/>
               </a:pPr>
-              <a:t>2019-12-01</a:t>
+              <a:t>2019-12-02</a:t>
             </a:fld>
             <a:endParaRPr lang="en-CA"/>
           </a:p>
@@ -606,7 +606,7 @@
               <a:pPr>
                 <a:defRPr/>
               </a:pPr>
-              <a:t>2019-12-01</a:t>
+              <a:t>2019-12-02</a:t>
             </a:fld>
             <a:endParaRPr lang="en-CA"/>
           </a:p>
@@ -815,7 +815,7 @@
               <a:pPr>
                 <a:defRPr/>
               </a:pPr>
-              <a:t>2019-12-01</a:t>
+              <a:t>2019-12-02</a:t>
             </a:fld>
             <a:endParaRPr lang="en-CA"/>
           </a:p>
@@ -1098,7 +1098,7 @@
               <a:pPr>
                 <a:defRPr/>
               </a:pPr>
-              <a:t>2019-12-01</a:t>
+              <a:t>2019-12-02</a:t>
             </a:fld>
             <a:endParaRPr lang="en-CA"/>
           </a:p>
@@ -1445,7 +1445,7 @@
               <a:pPr>
                 <a:defRPr/>
               </a:pPr>
-              <a:t>2019-12-01</a:t>
+              <a:t>2019-12-02</a:t>
             </a:fld>
             <a:endParaRPr lang="en-CA"/>
           </a:p>
@@ -2070,7 +2070,7 @@
               <a:pPr>
                 <a:defRPr/>
               </a:pPr>
-              <a:t>2019-12-01</a:t>
+              <a:t>2019-12-02</a:t>
             </a:fld>
             <a:endParaRPr lang="en-CA"/>
           </a:p>
@@ -2932,7 +2932,7 @@
               <a:pPr>
                 <a:defRPr/>
               </a:pPr>
-              <a:t>2019-12-01</a:t>
+              <a:t>2019-12-02</a:t>
             </a:fld>
             <a:endParaRPr lang="en-CA"/>
           </a:p>
@@ -3117,7 +3117,7 @@
               <a:pPr>
                 <a:defRPr/>
               </a:pPr>
-              <a:t>2019-12-01</a:t>
+              <a:t>2019-12-02</a:t>
             </a:fld>
             <a:endParaRPr lang="en-CA"/>
           </a:p>
@@ -3312,7 +3312,7 @@
               <a:pPr>
                 <a:defRPr/>
               </a:pPr>
-              <a:t>2019-12-01</a:t>
+              <a:t>2019-12-02</a:t>
             </a:fld>
             <a:endParaRPr lang="en-CA"/>
           </a:p>
@@ -3497,7 +3497,7 @@
               <a:pPr>
                 <a:defRPr/>
               </a:pPr>
-              <a:t>2019-12-01</a:t>
+              <a:t>2019-12-02</a:t>
             </a:fld>
             <a:endParaRPr lang="en-CA"/>
           </a:p>
@@ -3756,7 +3756,7 @@
               <a:pPr>
                 <a:defRPr/>
               </a:pPr>
-              <a:t>2019-12-01</a:t>
+              <a:t>2019-12-02</a:t>
             </a:fld>
             <a:endParaRPr lang="en-CA"/>
           </a:p>
@@ -4068,7 +4068,7 @@
               <a:pPr>
                 <a:defRPr/>
               </a:pPr>
-              <a:t>2019-12-01</a:t>
+              <a:t>2019-12-02</a:t>
             </a:fld>
             <a:endParaRPr lang="en-CA"/>
           </a:p>
@@ -4521,7 +4521,7 @@
               <a:pPr>
                 <a:defRPr/>
               </a:pPr>
-              <a:t>2019-12-01</a:t>
+              <a:t>2019-12-02</a:t>
             </a:fld>
             <a:endParaRPr lang="en-CA"/>
           </a:p>
@@ -4654,7 +4654,7 @@
               <a:pPr>
                 <a:defRPr/>
               </a:pPr>
-              <a:t>2019-12-01</a:t>
+              <a:t>2019-12-02</a:t>
             </a:fld>
             <a:endParaRPr lang="en-CA"/>
           </a:p>
@@ -4764,7 +4764,7 @@
               <a:pPr>
                 <a:defRPr/>
               </a:pPr>
-              <a:t>2019-12-01</a:t>
+              <a:t>2019-12-02</a:t>
             </a:fld>
             <a:endParaRPr lang="en-CA"/>
           </a:p>
@@ -5063,7 +5063,7 @@
               <a:pPr>
                 <a:defRPr/>
               </a:pPr>
-              <a:t>2019-12-01</a:t>
+              <a:t>2019-12-02</a:t>
             </a:fld>
             <a:endParaRPr lang="en-CA"/>
           </a:p>
@@ -5353,7 +5353,7 @@
               <a:pPr>
                 <a:defRPr/>
               </a:pPr>
-              <a:t>2019-12-01</a:t>
+              <a:t>2019-12-02</a:t>
             </a:fld>
             <a:endParaRPr lang="en-CA"/>
           </a:p>
@@ -5797,7 +5797,7 @@
               <a:pPr>
                 <a:defRPr/>
               </a:pPr>
-              <a:t>2019-12-01</a:t>
+              <a:t>2019-12-02</a:t>
             </a:fld>
             <a:endParaRPr lang="en-CA"/>
           </a:p>
@@ -6671,6 +6671,13 @@
   <p:clrMapOvr>
     <a:masterClrMapping/>
   </p:clrMapOvr>
+  <p:timing>
+    <p:tnLst>
+      <p:par>
+        <p:cTn id="1" dur="indefinite" restart="never" nodeType="tmRoot"/>
+      </p:par>
+    </p:tnLst>
+  </p:timing>
 </p:sld>
 </file>
 
@@ -6871,6 +6878,13 @@
   <p:clrMapOvr>
     <a:masterClrMapping/>
   </p:clrMapOvr>
+  <p:timing>
+    <p:tnLst>
+      <p:par>
+        <p:cTn id="1" dur="indefinite" restart="never" nodeType="tmRoot"/>
+      </p:par>
+    </p:tnLst>
+  </p:timing>
 </p:sld>
 </file>
 
@@ -6990,13 +7004,13 @@
   <p:clrMapOvr>
     <a:masterClrMapping/>
   </p:clrMapOvr>
-  <mc:AlternateContent xmlns:mc="http://schemas.openxmlformats.org/markup-compatibility/2006">
-    <mc:Choice xmlns:p14="http://schemas.microsoft.com/office/powerpoint/2010/main" Requires="p14">
+  <mc:AlternateContent xmlns:mc="http://schemas.openxmlformats.org/markup-compatibility/2006" xmlns:p14="http://schemas.microsoft.com/office/powerpoint/2010/main">
+    <mc:Choice Requires="p14">
       <p:transition spd="med" p14:dur="700">
         <p:fade/>
       </p:transition>
     </mc:Choice>
-    <mc:Fallback>
+    <mc:Fallback xmlns="">
       <p:transition spd="med">
         <p:fade/>
       </p:transition>
@@ -7223,10 +7237,10 @@
           <a:lstStyle/>
           <a:p>
             <a:r>
-              <a:rPr lang="en-US" altLang="es-MX"/>
+              <a:rPr lang="en-US" altLang="es-MX" dirty="0"/>
               <a:t>Team work/responsibilities</a:t>
             </a:r>
-            <a:endParaRPr lang="en-CA" altLang="es-MX"/>
+            <a:endParaRPr lang="en-CA" altLang="es-MX" dirty="0"/>
           </a:p>
         </p:txBody>
       </p:sp>
@@ -7272,9 +7286,10 @@
           <a:p>
             <a:pPr lvl="2"/>
             <a:r>
-              <a:rPr lang="en-US" altLang="en-US" dirty="0"/>
+              <a:rPr lang="en-US" altLang="en-US" smtClean="0"/>
               <a:t>Documentation</a:t>
             </a:r>
+            <a:endParaRPr lang="en-US" altLang="en-US" dirty="0"/>
           </a:p>
           <a:p>
             <a:pPr lvl="1" eaLnBrk="1" hangingPunct="1"/>
@@ -7297,6 +7312,13 @@
   <p:clrMapOvr>
     <a:masterClrMapping/>
   </p:clrMapOvr>
+  <p:timing>
+    <p:tnLst>
+      <p:par>
+        <p:cTn id="1" dur="indefinite" restart="never" nodeType="tmRoot"/>
+      </p:par>
+    </p:tnLst>
+  </p:timing>
 </p:sld>
 </file>
 
@@ -7404,6 +7426,13 @@
   <p:clrMapOvr>
     <a:masterClrMapping/>
   </p:clrMapOvr>
+  <p:timing>
+    <p:tnLst>
+      <p:par>
+        <p:cTn id="1" dur="indefinite" restart="never" nodeType="tmRoot"/>
+      </p:par>
+    </p:tnLst>
+  </p:timing>
 </p:sld>
 </file>
 
@@ -7485,7 +7514,15 @@
             </a:pPr>
             <a:r>
               <a:rPr lang="en-US" altLang="en-US" dirty="0"/>
-              <a:t>The basic functionality, users can sign up, log in, write reviews and rate them. </a:t>
+              <a:t>The basic </a:t>
+            </a:r>
+            <a:r>
+              <a:rPr lang="en-US" altLang="en-US" dirty="0" smtClean="0"/>
+              <a:t>functionalities, </a:t>
+            </a:r>
+            <a:r>
+              <a:rPr lang="en-US" altLang="en-US" dirty="0"/>
+              <a:t>users can sign up, log in, write reviews and rate them. </a:t>
             </a:r>
           </a:p>
           <a:p>
@@ -7594,6 +7631,13 @@
   <p:clrMapOvr>
     <a:masterClrMapping/>
   </p:clrMapOvr>
+  <p:timing>
+    <p:tnLst>
+      <p:par>
+        <p:cTn id="1" dur="indefinite" restart="never" nodeType="tmRoot"/>
+      </p:par>
+    </p:tnLst>
+  </p:timing>
 </p:sld>
 </file>
 
@@ -7645,6 +7689,37 @@
           </a:p>
         </p:txBody>
       </p:sp>
+      <p:sp>
+        <p:nvSpPr>
+          <p:cNvPr id="2" name="Rectangle 1"/>
+          <p:cNvSpPr/>
+          <p:nvPr/>
+        </p:nvSpPr>
+        <p:spPr>
+          <a:xfrm>
+            <a:off x="2366512" y="4028862"/>
+            <a:ext cx="7657381" cy="369332"/>
+          </a:xfrm>
+          <a:prstGeom prst="rect">
+            <a:avLst/>
+          </a:prstGeom>
+        </p:spPr>
+        <p:txBody>
+          <a:bodyPr wrap="square">
+            <a:spAutoFit/>
+          </a:bodyPr>
+          <a:lstStyle/>
+          <a:p>
+            <a:r>
+              <a:rPr lang="es-MX" dirty="0">
+                <a:hlinkClick r:id="rId2"/>
+              </a:rPr>
+              <a:t>http://www2.cs.uregina.ca/~ktg349/MovieNow/homepage.php</a:t>
+            </a:r>
+            <a:endParaRPr lang="es-MX" dirty="0"/>
+          </a:p>
+        </p:txBody>
+      </p:sp>
     </p:spTree>
     <p:extLst>
       <p:ext uri="{BB962C8B-B14F-4D97-AF65-F5344CB8AC3E}">
@@ -7655,6 +7730,13 @@
   <p:clrMapOvr>
     <a:masterClrMapping/>
   </p:clrMapOvr>
+  <p:timing>
+    <p:tnLst>
+      <p:par>
+        <p:cTn id="1" dur="indefinite" restart="never" nodeType="tmRoot"/>
+      </p:par>
+    </p:tnLst>
+  </p:timing>
 </p:sld>
 </file>
 
@@ -7807,6 +7889,13 @@
   <p:clrMapOvr>
     <a:masterClrMapping/>
   </p:clrMapOvr>
+  <p:timing>
+    <p:tnLst>
+      <p:par>
+        <p:cTn id="1" dur="indefinite" restart="never" nodeType="tmRoot"/>
+      </p:par>
+    </p:tnLst>
+  </p:timing>
 </p:sld>
 </file>
 
@@ -7853,6 +7942,10 @@
             <a:pPr lvl="1">
               <a:defRPr/>
             </a:pPr>
+            <a:r>
+              <a:rPr lang="en-US" altLang="en-US" dirty="0"/>
+              <a:t/>
+            </a:r>
             <a:br>
               <a:rPr lang="en-US" altLang="en-US" dirty="0"/>
             </a:br>
@@ -8075,6 +8168,13 @@
   <p:clrMapOvr>
     <a:masterClrMapping/>
   </p:clrMapOvr>
+  <p:timing>
+    <p:tnLst>
+      <p:par>
+        <p:cTn id="1" dur="indefinite" restart="never" nodeType="tmRoot"/>
+      </p:par>
+    </p:tnLst>
+  </p:timing>
 </p:sld>
 </file>
 

--- a/Documentation/Milestone 4.pptx
+++ b/Documentation/Milestone 4.pptx
@@ -6671,13 +6671,6 @@
   <p:clrMapOvr>
     <a:masterClrMapping/>
   </p:clrMapOvr>
-  <p:timing>
-    <p:tnLst>
-      <p:par>
-        <p:cTn id="1" dur="indefinite" restart="never" nodeType="tmRoot"/>
-      </p:par>
-    </p:tnLst>
-  </p:timing>
 </p:sld>
 </file>
 
@@ -6878,13 +6871,6 @@
   <p:clrMapOvr>
     <a:masterClrMapping/>
   </p:clrMapOvr>
-  <p:timing>
-    <p:tnLst>
-      <p:par>
-        <p:cTn id="1" dur="indefinite" restart="never" nodeType="tmRoot"/>
-      </p:par>
-    </p:tnLst>
-  </p:timing>
 </p:sld>
 </file>
 
@@ -7286,7 +7272,7 @@
           <a:p>
             <a:pPr lvl="2"/>
             <a:r>
-              <a:rPr lang="en-US" altLang="en-US" smtClean="0"/>
+              <a:rPr lang="en-US" altLang="en-US"/>
               <a:t>Documentation</a:t>
             </a:r>
             <a:endParaRPr lang="en-US" altLang="en-US" dirty="0"/>
@@ -7312,13 +7298,6 @@
   <p:clrMapOvr>
     <a:masterClrMapping/>
   </p:clrMapOvr>
-  <p:timing>
-    <p:tnLst>
-      <p:par>
-        <p:cTn id="1" dur="indefinite" restart="never" nodeType="tmRoot"/>
-      </p:par>
-    </p:tnLst>
-  </p:timing>
 </p:sld>
 </file>
 
@@ -7426,13 +7405,6 @@
   <p:clrMapOvr>
     <a:masterClrMapping/>
   </p:clrMapOvr>
-  <p:timing>
-    <p:tnLst>
-      <p:par>
-        <p:cTn id="1" dur="indefinite" restart="never" nodeType="tmRoot"/>
-      </p:par>
-    </p:tnLst>
-  </p:timing>
 </p:sld>
 </file>
 
@@ -7514,15 +7486,7 @@
             </a:pPr>
             <a:r>
               <a:rPr lang="en-US" altLang="en-US" dirty="0"/>
-              <a:t>The basic </a:t>
-            </a:r>
-            <a:r>
-              <a:rPr lang="en-US" altLang="en-US" dirty="0" smtClean="0"/>
-              <a:t>functionalities, </a:t>
-            </a:r>
-            <a:r>
-              <a:rPr lang="en-US" altLang="en-US" dirty="0"/>
-              <a:t>users can sign up, log in, write reviews and rate them. </a:t>
+              <a:t>The basic functionalities, users can sign up, log in, write reviews and rate them. </a:t>
             </a:r>
           </a:p>
           <a:p>
@@ -7631,13 +7595,6 @@
   <p:clrMapOvr>
     <a:masterClrMapping/>
   </p:clrMapOvr>
-  <p:timing>
-    <p:tnLst>
-      <p:par>
-        <p:cTn id="1" dur="indefinite" restart="never" nodeType="tmRoot"/>
-      </p:par>
-    </p:tnLst>
-  </p:timing>
 </p:sld>
 </file>
 
@@ -7720,6 +7677,66 @@
           </a:p>
         </p:txBody>
       </p:sp>
+      <p:sp>
+        <p:nvSpPr>
+          <p:cNvPr id="3" name="TextBox 2">
+            <a:extLst>
+              <a:ext uri="{FF2B5EF4-FFF2-40B4-BE49-F238E27FC236}">
+                <a16:creationId xmlns:a16="http://schemas.microsoft.com/office/drawing/2014/main" id="{5B8B659A-905B-458A-A7E1-C6B52C07D277}"/>
+              </a:ext>
+            </a:extLst>
+          </p:cNvPr>
+          <p:cNvSpPr txBox="1"/>
+          <p:nvPr/>
+        </p:nvSpPr>
+        <p:spPr>
+          <a:xfrm>
+            <a:off x="2366512" y="4714043"/>
+            <a:ext cx="7549845" cy="1754326"/>
+          </a:xfrm>
+          <a:prstGeom prst="rect">
+            <a:avLst/>
+          </a:prstGeom>
+          <a:noFill/>
+        </p:spPr>
+        <p:txBody>
+          <a:bodyPr wrap="square" rtlCol="0">
+            <a:spAutoFit/>
+          </a:bodyPr>
+          <a:lstStyle/>
+          <a:p>
+            <a:r>
+              <a:rPr lang="en-CA" dirty="0"/>
+              <a:t>Testing Account:</a:t>
+            </a:r>
+          </a:p>
+          <a:p>
+            <a:r>
+              <a:rPr lang="en-CA" dirty="0"/>
+              <a:t>Username: </a:t>
+            </a:r>
+            <a:r>
+              <a:rPr lang="en-CA" dirty="0">
+                <a:hlinkClick r:id="rId3"/>
+              </a:rPr>
+              <a:t>ktg349@uregina.ca</a:t>
+            </a:r>
+            <a:endParaRPr lang="en-CA" dirty="0"/>
+          </a:p>
+          <a:p>
+            <a:r>
+              <a:rPr lang="en-CA" dirty="0"/>
+              <a:t>Password: Testp@2s</a:t>
+            </a:r>
+          </a:p>
+          <a:p>
+            <a:r>
+              <a:rPr lang="en-CA" dirty="0"/>
+              <a:t>(Required a symbol/number in the password… lead to issues getting it written correctly in presentation with a different keyboard layout. Likely should have just had an easy password.)</a:t>
+            </a:r>
+          </a:p>
+        </p:txBody>
+      </p:sp>
     </p:spTree>
     <p:extLst>
       <p:ext uri="{BB962C8B-B14F-4D97-AF65-F5344CB8AC3E}">
@@ -7730,13 +7747,6 @@
   <p:clrMapOvr>
     <a:masterClrMapping/>
   </p:clrMapOvr>
-  <p:timing>
-    <p:tnLst>
-      <p:par>
-        <p:cTn id="1" dur="indefinite" restart="never" nodeType="tmRoot"/>
-      </p:par>
-    </p:tnLst>
-  </p:timing>
 </p:sld>
 </file>
 
@@ -7889,13 +7899,6 @@
   <p:clrMapOvr>
     <a:masterClrMapping/>
   </p:clrMapOvr>
-  <p:timing>
-    <p:tnLst>
-      <p:par>
-        <p:cTn id="1" dur="indefinite" restart="never" nodeType="tmRoot"/>
-      </p:par>
-    </p:tnLst>
-  </p:timing>
 </p:sld>
 </file>
 
@@ -7942,10 +7945,6 @@
             <a:pPr lvl="1">
               <a:defRPr/>
             </a:pPr>
-            <a:r>
-              <a:rPr lang="en-US" altLang="en-US" dirty="0"/>
-              <a:t/>
-            </a:r>
             <a:br>
               <a:rPr lang="en-US" altLang="en-US" dirty="0"/>
             </a:br>
@@ -8168,13 +8167,6 @@
   <p:clrMapOvr>
     <a:masterClrMapping/>
   </p:clrMapOvr>
-  <p:timing>
-    <p:tnLst>
-      <p:par>
-        <p:cTn id="1" dur="indefinite" restart="never" nodeType="tmRoot"/>
-      </p:par>
-    </p:tnLst>
-  </p:timing>
 </p:sld>
 </file>
 
